--- a/Solution_Design/Story Board/Storys/RA-35-Schwarzes Brett/RA-35-Schwarzes Brett.pptx
+++ b/Solution_Design/Story Board/Storys/RA-35-Schwarzes Brett/RA-35-Schwarzes Brett.pptx
@@ -7,12 +7,10 @@
   <p:sldIdLst>
     <p:sldId id="256" r:id="rId2"/>
     <p:sldId id="257" r:id="rId3"/>
-    <p:sldId id="263" r:id="rId4"/>
-    <p:sldId id="258" r:id="rId5"/>
-    <p:sldId id="261" r:id="rId6"/>
-    <p:sldId id="262" r:id="rId7"/>
-    <p:sldId id="264" r:id="rId8"/>
-    <p:sldId id="259" r:id="rId9"/>
+    <p:sldId id="258" r:id="rId4"/>
+    <p:sldId id="259" r:id="rId5"/>
+    <p:sldId id="260" r:id="rId6"/>
+    <p:sldId id="261" r:id="rId7"/>
   </p:sldIdLst>
   <p:sldSz cx="12192000" cy="6858000"/>
   <p:notesSz cx="6858000" cy="9144000"/>
@@ -3191,29 +3189,6 @@
       </p:grpSpPr>
       <p:sp>
         <p:nvSpPr>
-          <p:cNvPr id="2" name="Titel 1"/>
-          <p:cNvSpPr>
-            <a:spLocks noGrp="1"/>
-          </p:cNvSpPr>
-          <p:nvPr>
-            <p:ph type="title"/>
-          </p:nvPr>
-        </p:nvSpPr>
-        <p:spPr/>
-        <p:txBody>
-          <a:bodyPr/>
-          <a:lstStyle/>
-          <a:p>
-            <a:r>
-              <a:rPr lang="de-DE" dirty="0" smtClean="0"/>
-              <a:t>Beschreibung Usersicht</a:t>
-            </a:r>
-            <a:endParaRPr lang="de-DE" dirty="0"/>
-          </a:p>
-        </p:txBody>
-      </p:sp>
-      <p:sp>
-        <p:nvSpPr>
           <p:cNvPr id="3" name="Inhaltsplatzhalter 2"/>
           <p:cNvSpPr>
             <a:spLocks noGrp="1"/>
@@ -3222,57 +3197,354 @@
             <p:ph idx="1"/>
           </p:nvPr>
         </p:nvSpPr>
-        <p:spPr/>
-        <p:txBody>
-          <a:bodyPr/>
-          <a:lstStyle/>
-          <a:p>
-            <a:pPr marL="0" indent="0">
-              <a:buNone/>
-            </a:pPr>
-            <a:r>
-              <a:rPr lang="de-DE" dirty="0" smtClean="0"/>
-              <a:t>Das schwarze Brett wird in drei Ebenen Aufgebaut:</a:t>
-            </a:r>
-          </a:p>
+        <p:spPr>
+          <a:xfrm>
+            <a:off x="838200" y="293511"/>
+            <a:ext cx="10515600" cy="5883452"/>
+          </a:xfrm>
+        </p:spPr>
+        <p:txBody>
+          <a:bodyPr>
+            <a:normAutofit fontScale="70000" lnSpcReduction="20000"/>
+          </a:bodyPr>
+          <a:lstStyle/>
           <a:p>
             <a:pPr marL="514350" indent="-514350">
+              <a:buFont typeface="+mj-lt"/>
               <a:buAutoNum type="arabicPeriod"/>
             </a:pPr>
             <a:r>
-              <a:rPr lang="de-DE" dirty="0" smtClean="0"/>
-              <a:t>Themensicht</a:t>
+              <a:rPr lang="de-DE" dirty="0" err="1" smtClean="0"/>
+              <a:t>bundesländer</a:t>
+            </a:r>
+            <a:r>
+              <a:rPr lang="de-DE" dirty="0"/>
+              <a:t>							-&gt; Übersichtsseite</a:t>
             </a:r>
           </a:p>
           <a:p>
             <a:pPr marL="514350" indent="-514350">
+              <a:buFont typeface="+mj-lt"/>
               <a:buAutoNum type="arabicPeriod"/>
             </a:pPr>
             <a:r>
-              <a:rPr lang="de-DE" dirty="0" smtClean="0"/>
-              <a:t>Anbietersicht</a:t>
+              <a:rPr lang="de-DE" dirty="0"/>
+              <a:t>	Hessen								Berlin</a:t>
             </a:r>
           </a:p>
           <a:p>
             <a:pPr marL="514350" indent="-514350">
+              <a:buFont typeface="+mj-lt"/>
               <a:buAutoNum type="arabicPeriod"/>
             </a:pPr>
             <a:r>
-              <a:rPr lang="de-DE" dirty="0" err="1" smtClean="0"/>
-              <a:t>Threatcontent</a:t>
+              <a:rPr lang="de-DE" dirty="0"/>
+              <a:t>	Bundesland1 -&gt; Startseite</a:t>
+            </a:r>
+          </a:p>
+          <a:p>
+            <a:pPr marL="514350" indent="-514350">
+              <a:buFont typeface="+mj-lt"/>
+              <a:buAutoNum type="arabicPeriod"/>
+            </a:pPr>
+            <a:r>
+              <a:rPr lang="de-DE" dirty="0"/>
+              <a:t>		Flüchtlingsunterkünfte</a:t>
+            </a:r>
+          </a:p>
+          <a:p>
+            <a:pPr marL="514350" indent="-514350">
+              <a:buFont typeface="+mj-lt"/>
+              <a:buAutoNum type="arabicPeriod"/>
+            </a:pPr>
+            <a:r>
+              <a:rPr lang="de-DE" dirty="0"/>
+              <a:t>		Vereine</a:t>
+            </a:r>
+          </a:p>
+          <a:p>
+            <a:pPr marL="514350" indent="-514350">
+              <a:buFont typeface="+mj-lt"/>
+              <a:buAutoNum type="arabicPeriod"/>
+            </a:pPr>
+            <a:r>
+              <a:rPr lang="de-DE" dirty="0"/>
+              <a:t>			Aktuelles</a:t>
+            </a:r>
+          </a:p>
+          <a:p>
+            <a:pPr marL="514350" indent="-514350">
+              <a:buFont typeface="+mj-lt"/>
+              <a:buAutoNum type="arabicPeriod"/>
+            </a:pPr>
+            <a:r>
+              <a:rPr lang="de-DE" dirty="0"/>
+              <a:t>			allgemeine Infos</a:t>
+            </a:r>
+          </a:p>
+          <a:p>
+            <a:pPr marL="514350" indent="-514350">
+              <a:buFont typeface="+mj-lt"/>
+              <a:buAutoNum type="arabicPeriod"/>
+            </a:pPr>
+            <a:r>
+              <a:rPr lang="de-DE" dirty="0"/>
+              <a:t>				was wir machen</a:t>
+            </a:r>
+          </a:p>
+          <a:p>
+            <a:pPr marL="514350" indent="-514350">
+              <a:buFont typeface="+mj-lt"/>
+              <a:buAutoNum type="arabicPeriod"/>
+            </a:pPr>
+            <a:r>
+              <a:rPr lang="de-DE" dirty="0"/>
+              <a:t>				wer wir sind</a:t>
+            </a:r>
+          </a:p>
+          <a:p>
+            <a:pPr marL="514350" indent="-514350">
+              <a:buFont typeface="+mj-lt"/>
+              <a:buAutoNum type="arabicPeriod"/>
+            </a:pPr>
+            <a:r>
+              <a:rPr lang="de-DE" dirty="0"/>
+              <a:t>				warum </a:t>
+            </a:r>
+            <a:r>
+              <a:rPr lang="de-DE" dirty="0" err="1"/>
+              <a:t>etc</a:t>
+            </a:r>
+            <a:r>
+              <a:rPr lang="de-DE" dirty="0"/>
+              <a:t> </a:t>
+            </a:r>
+          </a:p>
+          <a:p>
+            <a:pPr marL="514350" indent="-514350">
+              <a:buFont typeface="+mj-lt"/>
+              <a:buAutoNum type="arabicPeriod"/>
+            </a:pPr>
+            <a:r>
+              <a:rPr lang="de-DE" dirty="0"/>
+              <a:t>				vom verein bestimmt</a:t>
+            </a:r>
+          </a:p>
+          <a:p>
+            <a:pPr marL="514350" indent="-514350">
+              <a:buFont typeface="+mj-lt"/>
+              <a:buAutoNum type="arabicPeriod"/>
+            </a:pPr>
+            <a:r>
+              <a:rPr lang="de-DE" dirty="0"/>
+              <a:t>		Aktuelles(schwarzes Brett)</a:t>
+            </a:r>
+          </a:p>
+          <a:p>
+            <a:pPr marL="514350" indent="-514350">
+              <a:buFont typeface="+mj-lt"/>
+              <a:buAutoNum type="arabicPeriod"/>
+            </a:pPr>
+            <a:r>
+              <a:rPr lang="de-DE" dirty="0"/>
+              <a:t>		Freizeitgestaltung</a:t>
+            </a:r>
+          </a:p>
+          <a:p>
+            <a:pPr marL="514350" indent="-514350">
+              <a:buFont typeface="+mj-lt"/>
+              <a:buAutoNum type="arabicPeriod"/>
+            </a:pPr>
+            <a:r>
+              <a:rPr lang="de-DE" dirty="0"/>
+              <a:t>		Formulare</a:t>
+            </a:r>
+          </a:p>
+          <a:p>
+            <a:pPr marL="514350" indent="-514350">
+              <a:buFont typeface="+mj-lt"/>
+              <a:buAutoNum type="arabicPeriod"/>
+            </a:pPr>
+            <a:r>
+              <a:rPr lang="de-DE" dirty="0"/>
+              <a:t>		Städte</a:t>
+            </a:r>
+          </a:p>
+          <a:p>
+            <a:pPr marL="514350" indent="-514350">
+              <a:buFont typeface="+mj-lt"/>
+              <a:buAutoNum type="arabicPeriod"/>
+            </a:pPr>
+            <a:r>
+              <a:rPr lang="de-DE" dirty="0"/>
+              <a:t>			Infos</a:t>
+            </a:r>
+          </a:p>
+          <a:p>
+            <a:pPr marL="514350" indent="-514350">
+              <a:buFont typeface="+mj-lt"/>
+              <a:buAutoNum type="arabicPeriod"/>
+            </a:pPr>
+            <a:r>
+              <a:rPr lang="de-DE" dirty="0"/>
+              <a:t>			Formulare(spezielle</a:t>
             </a:r>
             <a:r>
               <a:rPr lang="de-DE" dirty="0" smtClean="0"/>
-              <a:t> des Anbieters </a:t>
+              <a:t>)</a:t>
             </a:r>
             <a:endParaRPr lang="de-DE" dirty="0"/>
+          </a:p>
+        </p:txBody>
+      </p:sp>
+      <p:sp>
+        <p:nvSpPr>
+          <p:cNvPr id="4" name="Textfeld 3"/>
+          <p:cNvSpPr txBox="1"/>
+          <p:nvPr/>
+        </p:nvSpPr>
+        <p:spPr>
+          <a:xfrm>
+            <a:off x="9776177" y="5881511"/>
+            <a:ext cx="1975555" cy="923330"/>
+          </a:xfrm>
+          <a:prstGeom prst="rect">
+            <a:avLst/>
+          </a:prstGeom>
+          <a:noFill/>
+        </p:spPr>
+        <p:txBody>
+          <a:bodyPr wrap="square" rtlCol="0">
+            <a:spAutoFit/>
+          </a:bodyPr>
+          <a:lstStyle/>
+          <a:p>
+            <a:r>
+              <a:rPr lang="de-DE" dirty="0" smtClean="0"/>
+              <a:t>Auszug aus dem RA-08 Ergebnis</a:t>
+            </a:r>
+          </a:p>
+          <a:p>
+            <a:endParaRPr lang="de-DE" dirty="0"/>
+          </a:p>
+        </p:txBody>
+      </p:sp>
+      <p:sp>
+        <p:nvSpPr>
+          <p:cNvPr id="5" name="Rechteck 4"/>
+          <p:cNvSpPr/>
+          <p:nvPr/>
+        </p:nvSpPr>
+        <p:spPr>
+          <a:xfrm>
+            <a:off x="1840993" y="1894592"/>
+            <a:ext cx="2997199" cy="428978"/>
+          </a:xfrm>
+          <a:prstGeom prst="rect">
+            <a:avLst/>
+          </a:prstGeom>
+          <a:solidFill>
+            <a:schemeClr val="accent1">
+              <a:alpha val="26000"/>
+            </a:schemeClr>
+          </a:solidFill>
+        </p:spPr>
+        <p:style>
+          <a:lnRef idx="2">
+            <a:schemeClr val="accent1">
+              <a:shade val="50000"/>
+            </a:schemeClr>
+          </a:lnRef>
+          <a:fillRef idx="1">
+            <a:schemeClr val="accent1"/>
+          </a:fillRef>
+          <a:effectRef idx="0">
+            <a:schemeClr val="accent1"/>
+          </a:effectRef>
+          <a:fontRef idx="minor">
+            <a:schemeClr val="lt1"/>
+          </a:fontRef>
+        </p:style>
+        <p:txBody>
+          <a:bodyPr rtlCol="0" anchor="ctr"/>
+          <a:lstStyle/>
+          <a:p>
+            <a:r>
+              <a:rPr lang="de-DE" dirty="0" smtClean="0">
+                <a:solidFill>
+                  <a:srgbClr val="FF0000"/>
+                </a:solidFill>
+              </a:rPr>
+              <a:t>1.Board</a:t>
+            </a:r>
+            <a:endParaRPr lang="de-DE" dirty="0">
+              <a:solidFill>
+                <a:srgbClr val="FF0000"/>
+              </a:solidFill>
+            </a:endParaRPr>
+          </a:p>
+        </p:txBody>
+      </p:sp>
+      <p:sp>
+        <p:nvSpPr>
+          <p:cNvPr id="6" name="Rechteck 5"/>
+          <p:cNvSpPr/>
+          <p:nvPr/>
+        </p:nvSpPr>
+        <p:spPr>
+          <a:xfrm>
+            <a:off x="1840993" y="3928533"/>
+            <a:ext cx="3747008" cy="428978"/>
+          </a:xfrm>
+          <a:prstGeom prst="rect">
+            <a:avLst/>
+          </a:prstGeom>
+          <a:solidFill>
+            <a:schemeClr val="accent1">
+              <a:alpha val="26000"/>
+            </a:schemeClr>
+          </a:solidFill>
+        </p:spPr>
+        <p:style>
+          <a:lnRef idx="2">
+            <a:schemeClr val="accent1">
+              <a:shade val="50000"/>
+            </a:schemeClr>
+          </a:lnRef>
+          <a:fillRef idx="1">
+            <a:schemeClr val="accent1"/>
+          </a:fillRef>
+          <a:effectRef idx="0">
+            <a:schemeClr val="accent1"/>
+          </a:effectRef>
+          <a:fontRef idx="minor">
+            <a:schemeClr val="lt1"/>
+          </a:fontRef>
+        </p:style>
+        <p:txBody>
+          <a:bodyPr rtlCol="0" anchor="ctr"/>
+          <a:lstStyle/>
+          <a:p>
+            <a:r>
+              <a:rPr lang="de-DE" dirty="0" smtClean="0">
+                <a:solidFill>
+                  <a:srgbClr val="FF0000"/>
+                </a:solidFill>
+              </a:rPr>
+              <a:t>2.Board</a:t>
+            </a:r>
+            <a:endParaRPr lang="de-DE" dirty="0">
+              <a:solidFill>
+                <a:srgbClr val="FF0000"/>
+              </a:solidFill>
+            </a:endParaRPr>
           </a:p>
         </p:txBody>
       </p:sp>
     </p:spTree>
     <p:extLst>
       <p:ext uri="{BB962C8B-B14F-4D97-AF65-F5344CB8AC3E}">
-        <p14:creationId xmlns:p14="http://schemas.microsoft.com/office/powerpoint/2010/main" val="2142317832"/>
+        <p14:creationId xmlns:p14="http://schemas.microsoft.com/office/powerpoint/2010/main" val="864095232"/>
       </p:ext>
     </p:extLst>
   </p:cSld>
@@ -3316,7 +3588,7 @@
           <a:p>
             <a:r>
               <a:rPr lang="de-DE" dirty="0" smtClean="0"/>
-              <a:t>Interface Usersicht – Ebene 1</a:t>
+              <a:t>Sicht bei Anlegen durch den Poweruser</a:t>
             </a:r>
             <a:endParaRPr lang="de-DE" dirty="0"/>
           </a:p>
@@ -3324,94 +3596,96 @@
       </p:sp>
       <p:sp>
         <p:nvSpPr>
-          <p:cNvPr id="4" name="Rechteck 3"/>
-          <p:cNvSpPr/>
-          <p:nvPr/>
+          <p:cNvPr id="3" name="Inhaltsplatzhalter 2"/>
+          <p:cNvSpPr>
+            <a:spLocks noGrp="1"/>
+          </p:cNvSpPr>
+          <p:nvPr>
+            <p:ph idx="1"/>
+          </p:nvPr>
         </p:nvSpPr>
         <p:spPr>
           <a:xfrm>
-            <a:off x="1049867" y="1986844"/>
-            <a:ext cx="6412089" cy="4605867"/>
+            <a:off x="838200" y="1825625"/>
+            <a:ext cx="10515600" cy="2563495"/>
           </a:xfrm>
-          <a:prstGeom prst="rect">
-            <a:avLst/>
-          </a:prstGeom>
         </p:spPr>
-        <p:style>
-          <a:lnRef idx="2">
-            <a:schemeClr val="accent1">
-              <a:shade val="50000"/>
-            </a:schemeClr>
-          </a:lnRef>
-          <a:fillRef idx="1">
-            <a:schemeClr val="accent1"/>
-          </a:fillRef>
-          <a:effectRef idx="0">
-            <a:schemeClr val="accent1"/>
-          </a:effectRef>
-          <a:fontRef idx="minor">
-            <a:schemeClr val="lt1"/>
-          </a:fontRef>
-        </p:style>
-        <p:txBody>
-          <a:bodyPr rtlCol="0" anchor="ctr"/>
-          <a:lstStyle/>
-          <a:p>
-            <a:pPr algn="ctr"/>
-            <a:endParaRPr lang="de-DE"/>
-          </a:p>
-        </p:txBody>
-      </p:sp>
-      <p:sp>
-        <p:nvSpPr>
-          <p:cNvPr id="5" name="Rechteck 4"/>
-          <p:cNvSpPr/>
+        <p:txBody>
+          <a:bodyPr>
+            <a:normAutofit fontScale="92500" lnSpcReduction="20000"/>
+          </a:bodyPr>
+          <a:lstStyle/>
+          <a:p>
+            <a:pPr marL="514350" indent="-514350">
+              <a:buFont typeface="+mj-lt"/>
+              <a:buAutoNum type="arabicPeriod"/>
+            </a:pPr>
+            <a:r>
+              <a:rPr lang="de-DE" dirty="0" smtClean="0"/>
+              <a:t>Standort</a:t>
+            </a:r>
+          </a:p>
+          <a:p>
+            <a:pPr marL="514350" indent="-514350">
+              <a:buFont typeface="+mj-lt"/>
+              <a:buAutoNum type="arabicPeriod"/>
+            </a:pPr>
+            <a:r>
+              <a:rPr lang="de-DE" dirty="0" smtClean="0"/>
+              <a:t>Titel/Thema</a:t>
+            </a:r>
+          </a:p>
+          <a:p>
+            <a:pPr marL="514350" indent="-514350">
+              <a:buFont typeface="+mj-lt"/>
+              <a:buAutoNum type="arabicPeriod"/>
+            </a:pPr>
+            <a:r>
+              <a:rPr lang="de-DE" dirty="0" smtClean="0"/>
+              <a:t>Sprache</a:t>
+            </a:r>
+          </a:p>
+          <a:p>
+            <a:pPr marL="514350" indent="-514350">
+              <a:buFont typeface="+mj-lt"/>
+              <a:buAutoNum type="arabicPeriod"/>
+            </a:pPr>
+            <a:r>
+              <a:rPr lang="de-DE" dirty="0" err="1" smtClean="0"/>
+              <a:t>ZUsammenfassung</a:t>
+            </a:r>
+            <a:endParaRPr lang="de-DE" dirty="0"/>
+          </a:p>
+          <a:p>
+            <a:pPr marL="514350" indent="-514350">
+              <a:buFont typeface="+mj-lt"/>
+              <a:buAutoNum type="arabicPeriod"/>
+            </a:pPr>
+            <a:endParaRPr lang="de-DE" dirty="0"/>
+          </a:p>
+          <a:p>
+            <a:pPr marL="514350" indent="-514350">
+              <a:buFont typeface="+mj-lt"/>
+              <a:buAutoNum type="arabicPeriod"/>
+            </a:pPr>
+            <a:r>
+              <a:rPr lang="de-DE" dirty="0" smtClean="0"/>
+              <a:t>Content</a:t>
+            </a:r>
+            <a:endParaRPr lang="de-DE" dirty="0"/>
+          </a:p>
+        </p:txBody>
+      </p:sp>
+      <p:sp>
+        <p:nvSpPr>
+          <p:cNvPr id="4" name="Textfeld 3"/>
+          <p:cNvSpPr txBox="1"/>
           <p:nvPr/>
         </p:nvSpPr>
         <p:spPr>
           <a:xfrm>
-            <a:off x="1049866" y="1343378"/>
-            <a:ext cx="6491112" cy="598311"/>
-          </a:xfrm>
-          <a:prstGeom prst="rect">
-            <a:avLst/>
-          </a:prstGeom>
-        </p:spPr>
-        <p:style>
-          <a:lnRef idx="2">
-            <a:schemeClr val="accent1">
-              <a:shade val="50000"/>
-            </a:schemeClr>
-          </a:lnRef>
-          <a:fillRef idx="1">
-            <a:schemeClr val="accent1"/>
-          </a:fillRef>
-          <a:effectRef idx="0">
-            <a:schemeClr val="accent1"/>
-          </a:effectRef>
-          <a:fontRef idx="minor">
-            <a:schemeClr val="lt1"/>
-          </a:fontRef>
-        </p:style>
-        <p:txBody>
-          <a:bodyPr rtlCol="0" anchor="ctr"/>
-          <a:lstStyle/>
-          <a:p>
-            <a:pPr algn="ctr"/>
-            <a:endParaRPr lang="de-DE"/>
-          </a:p>
-        </p:txBody>
-      </p:sp>
-      <p:sp>
-        <p:nvSpPr>
-          <p:cNvPr id="6" name="Textfeld 5"/>
-          <p:cNvSpPr txBox="1"/>
-          <p:nvPr/>
-        </p:nvSpPr>
-        <p:spPr>
-          <a:xfrm>
-            <a:off x="6096000" y="1398980"/>
-            <a:ext cx="2935111" cy="369332"/>
+            <a:off x="646176" y="4706112"/>
+            <a:ext cx="11265408" cy="923330"/>
           </a:xfrm>
           <a:prstGeom prst="rect">
             <a:avLst/>
@@ -3426,305 +3700,39 @@
           <a:p>
             <a:r>
               <a:rPr lang="de-DE" dirty="0" smtClean="0"/>
-              <a:t>Pageheader mit Menüleisten</a:t>
-            </a:r>
-            <a:endParaRPr lang="de-DE" dirty="0"/>
-          </a:p>
-        </p:txBody>
-      </p:sp>
-      <p:sp>
-        <p:nvSpPr>
-          <p:cNvPr id="7" name="Rechteck 6"/>
-          <p:cNvSpPr/>
-          <p:nvPr/>
-        </p:nvSpPr>
-        <p:spPr>
-          <a:xfrm>
-            <a:off x="1636889" y="3034065"/>
-            <a:ext cx="2980266" cy="428978"/>
-          </a:xfrm>
-          <a:prstGeom prst="rect">
-            <a:avLst/>
-          </a:prstGeom>
-        </p:spPr>
-        <p:style>
-          <a:lnRef idx="2">
-            <a:schemeClr val="accent1">
-              <a:shade val="50000"/>
-            </a:schemeClr>
-          </a:lnRef>
-          <a:fillRef idx="1">
-            <a:schemeClr val="accent1"/>
-          </a:fillRef>
-          <a:effectRef idx="0">
-            <a:schemeClr val="accent1"/>
-          </a:effectRef>
-          <a:fontRef idx="minor">
-            <a:schemeClr val="lt1"/>
-          </a:fontRef>
-        </p:style>
-        <p:txBody>
-          <a:bodyPr rtlCol="0" anchor="ctr"/>
-          <a:lstStyle/>
-          <a:p>
-            <a:pPr algn="ctr"/>
+              <a:t>Der Verein kann auf seinem </a:t>
+            </a:r>
+            <a:r>
+              <a:rPr lang="de-DE" dirty="0" err="1" smtClean="0"/>
+              <a:t>Wikibereich</a:t>
+            </a:r>
             <a:r>
               <a:rPr lang="de-DE" dirty="0" smtClean="0"/>
-              <a:t>Thema 1 (Wohnungen)</a:t>
-            </a:r>
-            <a:endParaRPr lang="de-DE" dirty="0"/>
-          </a:p>
-        </p:txBody>
-      </p:sp>
-      <p:sp>
-        <p:nvSpPr>
-          <p:cNvPr id="8" name="Rechteck 7"/>
-          <p:cNvSpPr/>
-          <p:nvPr/>
-        </p:nvSpPr>
-        <p:spPr>
-          <a:xfrm>
-            <a:off x="1636889" y="3544710"/>
-            <a:ext cx="2980266" cy="428978"/>
-          </a:xfrm>
-          <a:prstGeom prst="rect">
-            <a:avLst/>
-          </a:prstGeom>
-        </p:spPr>
-        <p:style>
-          <a:lnRef idx="2">
-            <a:schemeClr val="accent1">
-              <a:shade val="50000"/>
-            </a:schemeClr>
-          </a:lnRef>
-          <a:fillRef idx="1">
-            <a:schemeClr val="accent1"/>
-          </a:fillRef>
-          <a:effectRef idx="0">
-            <a:schemeClr val="accent1"/>
-          </a:effectRef>
-          <a:fontRef idx="minor">
-            <a:schemeClr val="lt1"/>
-          </a:fontRef>
-        </p:style>
-        <p:txBody>
-          <a:bodyPr rtlCol="0" anchor="ctr"/>
-          <a:lstStyle/>
-          <a:p>
-            <a:pPr algn="ctr"/>
+              <a:t> neue Artikel anlegen, muss dabei angeben, für welchen Standort dieser Content gilt, in welchen Themenbereich/Titel der Artikel gehört, eine </a:t>
+            </a:r>
+            <a:r>
+              <a:rPr lang="de-DE" dirty="0" err="1" smtClean="0"/>
+              <a:t>max</a:t>
+            </a:r>
             <a:r>
               <a:rPr lang="de-DE" dirty="0" smtClean="0"/>
-              <a:t>Thema 2 (</a:t>
+              <a:t> 200 </a:t>
             </a:r>
             <a:r>
               <a:rPr lang="de-DE" dirty="0" err="1" smtClean="0"/>
-              <a:t>Ärtzte</a:t>
+              <a:t>char</a:t>
             </a:r>
             <a:r>
               <a:rPr lang="de-DE" dirty="0" smtClean="0"/>
-              <a:t>)</a:t>
-            </a:r>
-            <a:endParaRPr lang="de-DE" dirty="0"/>
-          </a:p>
-        </p:txBody>
-      </p:sp>
-      <p:sp>
-        <p:nvSpPr>
-          <p:cNvPr id="9" name="Rechteck 8"/>
-          <p:cNvSpPr/>
-          <p:nvPr/>
-        </p:nvSpPr>
-        <p:spPr>
-          <a:xfrm>
-            <a:off x="1625600" y="4055355"/>
-            <a:ext cx="2980266" cy="428978"/>
-          </a:xfrm>
-          <a:prstGeom prst="rect">
-            <a:avLst/>
-          </a:prstGeom>
-        </p:spPr>
-        <p:style>
-          <a:lnRef idx="2">
-            <a:schemeClr val="accent1">
-              <a:shade val="50000"/>
-            </a:schemeClr>
-          </a:lnRef>
-          <a:fillRef idx="1">
-            <a:schemeClr val="accent1"/>
-          </a:fillRef>
-          <a:effectRef idx="0">
-            <a:schemeClr val="accent1"/>
-          </a:effectRef>
-          <a:fontRef idx="minor">
-            <a:schemeClr val="lt1"/>
-          </a:fontRef>
-        </p:style>
-        <p:txBody>
-          <a:bodyPr rtlCol="0" anchor="ctr"/>
-          <a:lstStyle/>
-          <a:p>
-            <a:pPr algn="ctr"/>
+              <a:t> lange Zusammenfassung und der </a:t>
+            </a:r>
+            <a:r>
+              <a:rPr lang="de-DE" dirty="0" err="1" smtClean="0"/>
+              <a:t>eigendliche</a:t>
+            </a:r>
             <a:r>
               <a:rPr lang="de-DE" dirty="0" smtClean="0"/>
-              <a:t>Thema 3 (Behörden)</a:t>
-            </a:r>
-            <a:endParaRPr lang="de-DE" dirty="0"/>
-          </a:p>
-        </p:txBody>
-      </p:sp>
-      <p:sp>
-        <p:nvSpPr>
-          <p:cNvPr id="10" name="Rechteck 9"/>
-          <p:cNvSpPr/>
-          <p:nvPr/>
-        </p:nvSpPr>
-        <p:spPr>
-          <a:xfrm>
-            <a:off x="1625600" y="4571644"/>
-            <a:ext cx="2980266" cy="428978"/>
-          </a:xfrm>
-          <a:prstGeom prst="rect">
-            <a:avLst/>
-          </a:prstGeom>
-        </p:spPr>
-        <p:style>
-          <a:lnRef idx="2">
-            <a:schemeClr val="accent1">
-              <a:shade val="50000"/>
-            </a:schemeClr>
-          </a:lnRef>
-          <a:fillRef idx="1">
-            <a:schemeClr val="accent1"/>
-          </a:fillRef>
-          <a:effectRef idx="0">
-            <a:schemeClr val="accent1"/>
-          </a:effectRef>
-          <a:fontRef idx="minor">
-            <a:schemeClr val="lt1"/>
-          </a:fontRef>
-        </p:style>
-        <p:txBody>
-          <a:bodyPr rtlCol="0" anchor="ctr"/>
-          <a:lstStyle/>
-          <a:p>
-            <a:pPr algn="ctr"/>
-            <a:r>
-              <a:rPr lang="de-DE" dirty="0" smtClean="0"/>
-              <a:t>Thema 4 (…)</a:t>
-            </a:r>
-            <a:endParaRPr lang="de-DE" dirty="0"/>
-          </a:p>
-        </p:txBody>
-      </p:sp>
-      <p:sp>
-        <p:nvSpPr>
-          <p:cNvPr id="11" name="Rechteck 10"/>
-          <p:cNvSpPr/>
-          <p:nvPr/>
-        </p:nvSpPr>
-        <p:spPr>
-          <a:xfrm>
-            <a:off x="1636889" y="5076645"/>
-            <a:ext cx="2980266" cy="428978"/>
-          </a:xfrm>
-          <a:prstGeom prst="rect">
-            <a:avLst/>
-          </a:prstGeom>
-        </p:spPr>
-        <p:style>
-          <a:lnRef idx="2">
-            <a:schemeClr val="accent1">
-              <a:shade val="50000"/>
-            </a:schemeClr>
-          </a:lnRef>
-          <a:fillRef idx="1">
-            <a:schemeClr val="accent1"/>
-          </a:fillRef>
-          <a:effectRef idx="0">
-            <a:schemeClr val="accent1"/>
-          </a:effectRef>
-          <a:fontRef idx="minor">
-            <a:schemeClr val="lt1"/>
-          </a:fontRef>
-        </p:style>
-        <p:txBody>
-          <a:bodyPr rtlCol="0" anchor="ctr"/>
-          <a:lstStyle/>
-          <a:p>
-            <a:pPr algn="ctr"/>
-            <a:r>
-              <a:rPr lang="de-DE" dirty="0" smtClean="0"/>
-              <a:t>Thema 5 (…)</a:t>
-            </a:r>
-            <a:endParaRPr lang="de-DE" dirty="0"/>
-          </a:p>
-        </p:txBody>
-      </p:sp>
-      <p:sp>
-        <p:nvSpPr>
-          <p:cNvPr id="12" name="Textfeld 11"/>
-          <p:cNvSpPr txBox="1"/>
-          <p:nvPr/>
-        </p:nvSpPr>
-        <p:spPr>
-          <a:xfrm>
-            <a:off x="2065867" y="2336800"/>
-            <a:ext cx="4030133" cy="564444"/>
-          </a:xfrm>
-          <a:prstGeom prst="rect">
-            <a:avLst/>
-          </a:prstGeom>
-          <a:noFill/>
-        </p:spPr>
-        <p:txBody>
-          <a:bodyPr wrap="square" rtlCol="0">
-            <a:spAutoFit/>
-          </a:bodyPr>
-          <a:lstStyle/>
-          <a:p>
-            <a:endParaRPr lang="de-DE" dirty="0"/>
-          </a:p>
-        </p:txBody>
-      </p:sp>
-      <p:sp>
-        <p:nvSpPr>
-          <p:cNvPr id="13" name="Rechteck 12"/>
-          <p:cNvSpPr/>
-          <p:nvPr/>
-        </p:nvSpPr>
-        <p:spPr>
-          <a:xfrm>
-            <a:off x="1625600" y="2203979"/>
-            <a:ext cx="5034844" cy="485422"/>
-          </a:xfrm>
-          <a:prstGeom prst="rect">
-            <a:avLst/>
-          </a:prstGeom>
-        </p:spPr>
-        <p:style>
-          <a:lnRef idx="2">
-            <a:schemeClr val="accent1">
-              <a:shade val="50000"/>
-            </a:schemeClr>
-          </a:lnRef>
-          <a:fillRef idx="1">
-            <a:schemeClr val="accent1"/>
-          </a:fillRef>
-          <a:effectRef idx="0">
-            <a:schemeClr val="accent1"/>
-          </a:effectRef>
-          <a:fontRef idx="minor">
-            <a:schemeClr val="lt1"/>
-          </a:fontRef>
-        </p:style>
-        <p:txBody>
-          <a:bodyPr rtlCol="0" anchor="ctr"/>
-          <a:lstStyle/>
-          <a:p>
-            <a:pPr algn="ctr"/>
-            <a:r>
-              <a:rPr lang="de-DE" dirty="0" err="1" smtClean="0"/>
-              <a:t>Ortsbezeichung</a:t>
+              <a:t> Content</a:t>
             </a:r>
             <a:endParaRPr lang="de-DE" dirty="0"/>
           </a:p>
@@ -3733,7 +3741,7 @@
     </p:spTree>
     <p:extLst>
       <p:ext uri="{BB962C8B-B14F-4D97-AF65-F5344CB8AC3E}">
-        <p14:creationId xmlns:p14="http://schemas.microsoft.com/office/powerpoint/2010/main" val="1421910945"/>
+        <p14:creationId xmlns:p14="http://schemas.microsoft.com/office/powerpoint/2010/main" val="4239824252"/>
       </p:ext>
     </p:extLst>
   </p:cSld>
@@ -3775,24 +3783,211 @@
           <a:bodyPr/>
           <a:lstStyle/>
           <a:p>
-            <a:r>
-              <a:rPr lang="de-DE" dirty="0" smtClean="0"/>
-              <a:t>Interface Usersicht – Ebene 2</a:t>
-            </a:r>
-            <a:endParaRPr lang="de-DE" dirty="0"/>
-          </a:p>
-        </p:txBody>
-      </p:sp>
-      <p:sp>
-        <p:nvSpPr>
-          <p:cNvPr id="4" name="Rechteck 3"/>
+            <a:endParaRPr lang="de-DE"/>
+          </a:p>
+        </p:txBody>
+      </p:sp>
+      <p:sp>
+        <p:nvSpPr>
+          <p:cNvPr id="4" name="Zylinder 3"/>
           <p:cNvSpPr/>
           <p:nvPr/>
         </p:nvSpPr>
         <p:spPr>
           <a:xfrm>
-            <a:off x="1049867" y="1986844"/>
-            <a:ext cx="6412089" cy="4605867"/>
+            <a:off x="1658112" y="3096768"/>
+            <a:ext cx="1572768" cy="2401824"/>
+          </a:xfrm>
+          <a:prstGeom prst="can">
+            <a:avLst/>
+          </a:prstGeom>
+          <a:solidFill>
+            <a:schemeClr val="accent1">
+              <a:lumMod val="20000"/>
+              <a:lumOff val="80000"/>
+            </a:schemeClr>
+          </a:solidFill>
+        </p:spPr>
+        <p:style>
+          <a:lnRef idx="2">
+            <a:schemeClr val="accent1">
+              <a:shade val="50000"/>
+            </a:schemeClr>
+          </a:lnRef>
+          <a:fillRef idx="1">
+            <a:schemeClr val="accent1"/>
+          </a:fillRef>
+          <a:effectRef idx="0">
+            <a:schemeClr val="accent1"/>
+          </a:effectRef>
+          <a:fontRef idx="minor">
+            <a:schemeClr val="lt1"/>
+          </a:fontRef>
+        </p:style>
+        <p:txBody>
+          <a:bodyPr rtlCol="0" anchor="ctr"/>
+          <a:lstStyle/>
+          <a:p>
+            <a:pPr algn="ctr"/>
+            <a:endParaRPr lang="de-DE"/>
+          </a:p>
+        </p:txBody>
+      </p:sp>
+      <p:cxnSp>
+        <p:nvCxnSpPr>
+          <p:cNvPr id="6" name="Gerade Verbindung mit Pfeil 5"/>
+          <p:cNvCxnSpPr/>
+          <p:nvPr/>
+        </p:nvCxnSpPr>
+        <p:spPr>
+          <a:xfrm flipV="1">
+            <a:off x="3316224" y="2316480"/>
+            <a:ext cx="2121408" cy="914400"/>
+          </a:xfrm>
+          <a:prstGeom prst="straightConnector1">
+            <a:avLst/>
+          </a:prstGeom>
+          <a:ln>
+            <a:tailEnd type="triangle"/>
+          </a:ln>
+        </p:spPr>
+        <p:style>
+          <a:lnRef idx="1">
+            <a:schemeClr val="accent1"/>
+          </a:lnRef>
+          <a:fillRef idx="0">
+            <a:schemeClr val="accent1"/>
+          </a:fillRef>
+          <a:effectRef idx="0">
+            <a:schemeClr val="accent1"/>
+          </a:effectRef>
+          <a:fontRef idx="minor">
+            <a:schemeClr val="tx1"/>
+          </a:fontRef>
+        </p:style>
+      </p:cxnSp>
+      <p:sp>
+        <p:nvSpPr>
+          <p:cNvPr id="7" name="Rechteck 6"/>
+          <p:cNvSpPr/>
+          <p:nvPr/>
+        </p:nvSpPr>
+        <p:spPr>
+          <a:xfrm>
+            <a:off x="5522976" y="4083191"/>
+            <a:ext cx="2997199" cy="428978"/>
+          </a:xfrm>
+          <a:prstGeom prst="rect">
+            <a:avLst/>
+          </a:prstGeom>
+          <a:solidFill>
+            <a:schemeClr val="accent1">
+              <a:alpha val="26000"/>
+            </a:schemeClr>
+          </a:solidFill>
+        </p:spPr>
+        <p:style>
+          <a:lnRef idx="2">
+            <a:schemeClr val="accent1">
+              <a:shade val="50000"/>
+            </a:schemeClr>
+          </a:lnRef>
+          <a:fillRef idx="1">
+            <a:schemeClr val="accent1"/>
+          </a:fillRef>
+          <a:effectRef idx="0">
+            <a:schemeClr val="accent1"/>
+          </a:effectRef>
+          <a:fontRef idx="minor">
+            <a:schemeClr val="lt1"/>
+          </a:fontRef>
+        </p:style>
+        <p:txBody>
+          <a:bodyPr rtlCol="0" anchor="ctr"/>
+          <a:lstStyle/>
+          <a:p>
+            <a:r>
+              <a:rPr lang="de-DE" dirty="0" smtClean="0">
+                <a:solidFill>
+                  <a:srgbClr val="FF0000"/>
+                </a:solidFill>
+              </a:rPr>
+              <a:t>1.Board</a:t>
+            </a:r>
+            <a:endParaRPr lang="de-DE" dirty="0">
+              <a:solidFill>
+                <a:srgbClr val="FF0000"/>
+              </a:solidFill>
+            </a:endParaRPr>
+          </a:p>
+        </p:txBody>
+      </p:sp>
+      <p:sp>
+        <p:nvSpPr>
+          <p:cNvPr id="8" name="Rechteck 7"/>
+          <p:cNvSpPr/>
+          <p:nvPr/>
+        </p:nvSpPr>
+        <p:spPr>
+          <a:xfrm>
+            <a:off x="5522976" y="2101991"/>
+            <a:ext cx="3747008" cy="428978"/>
+          </a:xfrm>
+          <a:prstGeom prst="rect">
+            <a:avLst/>
+          </a:prstGeom>
+          <a:solidFill>
+            <a:schemeClr val="accent1">
+              <a:alpha val="26000"/>
+            </a:schemeClr>
+          </a:solidFill>
+        </p:spPr>
+        <p:style>
+          <a:lnRef idx="2">
+            <a:schemeClr val="accent1">
+              <a:shade val="50000"/>
+            </a:schemeClr>
+          </a:lnRef>
+          <a:fillRef idx="1">
+            <a:schemeClr val="accent1"/>
+          </a:fillRef>
+          <a:effectRef idx="0">
+            <a:schemeClr val="accent1"/>
+          </a:effectRef>
+          <a:fontRef idx="minor">
+            <a:schemeClr val="lt1"/>
+          </a:fontRef>
+        </p:style>
+        <p:txBody>
+          <a:bodyPr rtlCol="0" anchor="ctr"/>
+          <a:lstStyle/>
+          <a:p>
+            <a:r>
+              <a:rPr lang="de-DE" dirty="0" smtClean="0">
+                <a:solidFill>
+                  <a:srgbClr val="FF0000"/>
+                </a:solidFill>
+              </a:rPr>
+              <a:t>2.Board</a:t>
+            </a:r>
+            <a:endParaRPr lang="de-DE" dirty="0">
+              <a:solidFill>
+                <a:srgbClr val="FF0000"/>
+              </a:solidFill>
+            </a:endParaRPr>
+          </a:p>
+        </p:txBody>
+      </p:sp>
+      <p:sp>
+        <p:nvSpPr>
+          <p:cNvPr id="9" name="Rechteck 8"/>
+          <p:cNvSpPr/>
+          <p:nvPr/>
+        </p:nvSpPr>
+        <p:spPr>
+          <a:xfrm>
+            <a:off x="5522976" y="2645664"/>
+            <a:ext cx="4986528" cy="1255776"/>
           </a:xfrm>
           <a:prstGeom prst="rect">
             <a:avLst/>
@@ -3818,25 +4013,41 @@
           <a:bodyPr rtlCol="0" anchor="ctr"/>
           <a:lstStyle/>
           <a:p>
-            <a:pPr algn="ctr"/>
-            <a:endParaRPr lang="de-DE"/>
-          </a:p>
-        </p:txBody>
-      </p:sp>
-      <p:sp>
-        <p:nvSpPr>
-          <p:cNvPr id="5" name="Rechteck 4"/>
+            <a:r>
+              <a:rPr lang="de-DE" dirty="0" smtClean="0"/>
+              <a:t>10 aktuellsten </a:t>
+            </a:r>
+            <a:r>
+              <a:rPr lang="de-DE" dirty="0"/>
+              <a:t>E</a:t>
+            </a:r>
+            <a:r>
+              <a:rPr lang="de-DE" dirty="0" smtClean="0"/>
+              <a:t>inträge für diese Region + mehr-Taste den ganzen Eintrag sehen zu können</a:t>
+            </a:r>
+            <a:endParaRPr lang="de-DE" dirty="0"/>
+          </a:p>
+        </p:txBody>
+      </p:sp>
+      <p:sp>
+        <p:nvSpPr>
+          <p:cNvPr id="10" name="Zylinder 9"/>
           <p:cNvSpPr/>
           <p:nvPr/>
         </p:nvSpPr>
         <p:spPr>
           <a:xfrm>
-            <a:off x="1049866" y="1343378"/>
-            <a:ext cx="6491112" cy="598311"/>
+            <a:off x="1658112" y="3096768"/>
+            <a:ext cx="1572768" cy="353568"/>
           </a:xfrm>
-          <a:prstGeom prst="rect">
+          <a:prstGeom prst="can">
             <a:avLst/>
           </a:prstGeom>
+          <a:solidFill>
+            <a:schemeClr val="accent1">
+              <a:lumMod val="75000"/>
+            </a:schemeClr>
+          </a:solidFill>
         </p:spPr>
         <p:style>
           <a:lnRef idx="2">
@@ -3865,48 +4076,21 @@
       </p:sp>
       <p:sp>
         <p:nvSpPr>
-          <p:cNvPr id="6" name="Textfeld 5"/>
-          <p:cNvSpPr txBox="1"/>
+          <p:cNvPr id="11" name="Rechteck 10"/>
+          <p:cNvSpPr/>
           <p:nvPr/>
         </p:nvSpPr>
         <p:spPr>
           <a:xfrm>
-            <a:off x="6096000" y="1398980"/>
-            <a:ext cx="2935111" cy="369332"/>
+            <a:off x="5522976" y="4718304"/>
+            <a:ext cx="4986528" cy="1255776"/>
           </a:xfrm>
           <a:prstGeom prst="rect">
             <a:avLst/>
           </a:prstGeom>
-          <a:noFill/>
-        </p:spPr>
-        <p:txBody>
-          <a:bodyPr wrap="square" rtlCol="0">
-            <a:spAutoFit/>
-          </a:bodyPr>
-          <a:lstStyle/>
-          <a:p>
-            <a:r>
-              <a:rPr lang="de-DE" dirty="0" smtClean="0"/>
-              <a:t>Pageheader mit Menüleisten</a:t>
-            </a:r>
-            <a:endParaRPr lang="de-DE" dirty="0"/>
-          </a:p>
-        </p:txBody>
-      </p:sp>
-      <p:sp>
-        <p:nvSpPr>
-          <p:cNvPr id="7" name="Rechteck 6"/>
-          <p:cNvSpPr/>
-          <p:nvPr/>
-        </p:nvSpPr>
-        <p:spPr>
-          <a:xfrm>
-            <a:off x="1636889" y="2793645"/>
-            <a:ext cx="2980266" cy="428978"/>
-          </a:xfrm>
-          <a:prstGeom prst="rect">
-            <a:avLst/>
-          </a:prstGeom>
+          <a:solidFill>
+            <a:srgbClr val="FF0000"/>
+          </a:solidFill>
         </p:spPr>
         <p:style>
           <a:lnRef idx="2">
@@ -3928,10 +4112,17 @@
           <a:bodyPr rtlCol="0" anchor="ctr"/>
           <a:lstStyle/>
           <a:p>
-            <a:pPr algn="ctr"/>
             <a:r>
               <a:rPr lang="de-DE" dirty="0" smtClean="0"/>
-              <a:t>Thema 1 (Wohnungen)</a:t>
+              <a:t>10 aktuellsten </a:t>
+            </a:r>
+            <a:r>
+              <a:rPr lang="de-DE" dirty="0"/>
+              <a:t>E</a:t>
+            </a:r>
+            <a:r>
+              <a:rPr lang="de-DE" dirty="0" smtClean="0"/>
+              <a:t>inträge für diesen Verein + mehr-Taste den ganzen Eintrag sehen zu können</a:t>
             </a:r>
             <a:endParaRPr lang="de-DE" dirty="0"/>
           </a:p>
@@ -3939,18 +4130,21 @@
       </p:sp>
       <p:sp>
         <p:nvSpPr>
-          <p:cNvPr id="8" name="Rechteck 7"/>
+          <p:cNvPr id="12" name="Rechteck 11"/>
           <p:cNvSpPr/>
           <p:nvPr/>
         </p:nvSpPr>
         <p:spPr>
           <a:xfrm>
-            <a:off x="1636889" y="3544710"/>
-            <a:ext cx="2980266" cy="428978"/>
+            <a:off x="1658112" y="3681984"/>
+            <a:ext cx="1572768" cy="85344"/>
           </a:xfrm>
           <a:prstGeom prst="rect">
             <a:avLst/>
           </a:prstGeom>
+          <a:solidFill>
+            <a:srgbClr val="FF0000"/>
+          </a:solidFill>
         </p:spPr>
         <p:style>
           <a:lnRef idx="2">
@@ -3973,28 +4167,27 @@
           <a:lstStyle/>
           <a:p>
             <a:pPr algn="ctr"/>
-            <a:r>
-              <a:rPr lang="de-DE" dirty="0" smtClean="0"/>
-              <a:t>Thread 1</a:t>
-            </a:r>
-            <a:endParaRPr lang="de-DE" dirty="0"/>
-          </a:p>
-        </p:txBody>
-      </p:sp>
-      <p:sp>
-        <p:nvSpPr>
-          <p:cNvPr id="9" name="Rechteck 8"/>
+            <a:endParaRPr lang="de-DE"/>
+          </a:p>
+        </p:txBody>
+      </p:sp>
+      <p:sp>
+        <p:nvSpPr>
+          <p:cNvPr id="13" name="Rechteck 12"/>
           <p:cNvSpPr/>
           <p:nvPr/>
         </p:nvSpPr>
         <p:spPr>
           <a:xfrm>
-            <a:off x="1625600" y="4055355"/>
-            <a:ext cx="2980266" cy="428978"/>
+            <a:off x="1658112" y="4163568"/>
+            <a:ext cx="1572768" cy="54864"/>
           </a:xfrm>
           <a:prstGeom prst="rect">
             <a:avLst/>
           </a:prstGeom>
+          <a:solidFill>
+            <a:srgbClr val="FF0000"/>
+          </a:solidFill>
         </p:spPr>
         <p:style>
           <a:lnRef idx="2">
@@ -4017,28 +4210,27 @@
           <a:lstStyle/>
           <a:p>
             <a:pPr algn="ctr"/>
-            <a:r>
-              <a:rPr lang="de-DE" dirty="0" smtClean="0"/>
-              <a:t>Thread 2</a:t>
-            </a:r>
-            <a:endParaRPr lang="de-DE" dirty="0"/>
-          </a:p>
-        </p:txBody>
-      </p:sp>
-      <p:sp>
-        <p:nvSpPr>
-          <p:cNvPr id="10" name="Rechteck 9"/>
+            <a:endParaRPr lang="de-DE"/>
+          </a:p>
+        </p:txBody>
+      </p:sp>
+      <p:sp>
+        <p:nvSpPr>
+          <p:cNvPr id="14" name="Rechteck 13"/>
           <p:cNvSpPr/>
           <p:nvPr/>
         </p:nvSpPr>
         <p:spPr>
           <a:xfrm>
-            <a:off x="1625600" y="4571644"/>
-            <a:ext cx="2980266" cy="428978"/>
+            <a:off x="1658112" y="3407664"/>
+            <a:ext cx="1572768" cy="85344"/>
           </a:xfrm>
           <a:prstGeom prst="rect">
             <a:avLst/>
           </a:prstGeom>
+          <a:solidFill>
+            <a:srgbClr val="FF0000"/>
+          </a:solidFill>
         </p:spPr>
         <p:style>
           <a:lnRef idx="2">
@@ -4061,106 +4253,47 @@
           <a:lstStyle/>
           <a:p>
             <a:pPr algn="ctr"/>
-            <a:r>
-              <a:rPr lang="de-DE" dirty="0" smtClean="0"/>
-              <a:t>Thread 3</a:t>
-            </a:r>
-            <a:endParaRPr lang="de-DE" dirty="0"/>
-          </a:p>
-        </p:txBody>
-      </p:sp>
-      <p:sp>
-        <p:nvSpPr>
-          <p:cNvPr id="11" name="Rechteck 10"/>
-          <p:cNvSpPr/>
+            <a:endParaRPr lang="de-DE"/>
+          </a:p>
+        </p:txBody>
+      </p:sp>
+      <p:cxnSp>
+        <p:nvCxnSpPr>
+          <p:cNvPr id="15" name="Gerade Verbindung mit Pfeil 14"/>
+          <p:cNvCxnSpPr/>
           <p:nvPr/>
-        </p:nvSpPr>
+        </p:nvCxnSpPr>
         <p:spPr>
           <a:xfrm>
-            <a:off x="1636889" y="5076645"/>
-            <a:ext cx="2980266" cy="428978"/>
+            <a:off x="3316224" y="3505200"/>
+            <a:ext cx="1938528" cy="713232"/>
           </a:xfrm>
-          <a:prstGeom prst="rect">
+          <a:prstGeom prst="straightConnector1">
             <a:avLst/>
           </a:prstGeom>
+          <a:ln>
+            <a:tailEnd type="triangle"/>
+          </a:ln>
         </p:spPr>
         <p:style>
-          <a:lnRef idx="2">
-            <a:schemeClr val="accent1">
-              <a:shade val="50000"/>
-            </a:schemeClr>
+          <a:lnRef idx="1">
+            <a:schemeClr val="accent1"/>
           </a:lnRef>
-          <a:fillRef idx="1">
+          <a:fillRef idx="0">
             <a:schemeClr val="accent1"/>
           </a:fillRef>
           <a:effectRef idx="0">
             <a:schemeClr val="accent1"/>
           </a:effectRef>
           <a:fontRef idx="minor">
-            <a:schemeClr val="lt1"/>
+            <a:schemeClr val="tx1"/>
           </a:fontRef>
         </p:style>
-        <p:txBody>
-          <a:bodyPr rtlCol="0" anchor="ctr"/>
-          <a:lstStyle/>
-          <a:p>
-            <a:pPr algn="ctr"/>
-            <a:r>
-              <a:rPr lang="de-DE" dirty="0" smtClean="0"/>
-              <a:t>Thema 5 (…)</a:t>
-            </a:r>
-            <a:endParaRPr lang="de-DE" dirty="0"/>
-          </a:p>
-        </p:txBody>
-      </p:sp>
-      <p:sp>
-        <p:nvSpPr>
-          <p:cNvPr id="15" name="Rechteck 14"/>
-          <p:cNvSpPr/>
-          <p:nvPr/>
-        </p:nvSpPr>
-        <p:spPr>
-          <a:xfrm>
-            <a:off x="1625600" y="2203979"/>
-            <a:ext cx="5034844" cy="485422"/>
-          </a:xfrm>
-          <a:prstGeom prst="rect">
-            <a:avLst/>
-          </a:prstGeom>
-        </p:spPr>
-        <p:style>
-          <a:lnRef idx="2">
-            <a:schemeClr val="accent1">
-              <a:shade val="50000"/>
-            </a:schemeClr>
-          </a:lnRef>
-          <a:fillRef idx="1">
-            <a:schemeClr val="accent1"/>
-          </a:fillRef>
-          <a:effectRef idx="0">
-            <a:schemeClr val="accent1"/>
-          </a:effectRef>
-          <a:fontRef idx="minor">
-            <a:schemeClr val="lt1"/>
-          </a:fontRef>
-        </p:style>
-        <p:txBody>
-          <a:bodyPr rtlCol="0" anchor="ctr"/>
-          <a:lstStyle/>
-          <a:p>
-            <a:pPr algn="ctr"/>
-            <a:r>
-              <a:rPr lang="de-DE" dirty="0" err="1" smtClean="0"/>
-              <a:t>Ortsbezeichung</a:t>
-            </a:r>
-            <a:endParaRPr lang="de-DE" dirty="0"/>
-          </a:p>
-        </p:txBody>
-      </p:sp>
+      </p:cxnSp>
     </p:spTree>
     <p:extLst>
       <p:ext uri="{BB962C8B-B14F-4D97-AF65-F5344CB8AC3E}">
-        <p14:creationId xmlns:p14="http://schemas.microsoft.com/office/powerpoint/2010/main" val="890936032"/>
+        <p14:creationId xmlns:p14="http://schemas.microsoft.com/office/powerpoint/2010/main" val="694505254"/>
       </p:ext>
     </p:extLst>
   </p:cSld>
@@ -4204,7 +4337,7 @@
           <a:p>
             <a:r>
               <a:rPr lang="de-DE" dirty="0" smtClean="0"/>
-              <a:t>Interface Usersicht – Ebene 3</a:t>
+              <a:t>Vereinsbereich</a:t>
             </a:r>
             <a:endParaRPr lang="de-DE" dirty="0"/>
           </a:p>
@@ -4212,289 +4345,60 @@
       </p:sp>
       <p:sp>
         <p:nvSpPr>
-          <p:cNvPr id="4" name="Rechteck 3"/>
-          <p:cNvSpPr/>
-          <p:nvPr/>
-        </p:nvSpPr>
-        <p:spPr>
-          <a:xfrm>
-            <a:off x="1049867" y="1986844"/>
-            <a:ext cx="6412089" cy="4605867"/>
-          </a:xfrm>
-          <a:prstGeom prst="rect">
-            <a:avLst/>
-          </a:prstGeom>
-        </p:spPr>
-        <p:style>
-          <a:lnRef idx="2">
-            <a:schemeClr val="accent1">
-              <a:shade val="50000"/>
-            </a:schemeClr>
-          </a:lnRef>
-          <a:fillRef idx="1">
-            <a:schemeClr val="accent1"/>
-          </a:fillRef>
-          <a:effectRef idx="0">
-            <a:schemeClr val="accent1"/>
-          </a:effectRef>
-          <a:fontRef idx="minor">
-            <a:schemeClr val="lt1"/>
-          </a:fontRef>
-        </p:style>
-        <p:txBody>
-          <a:bodyPr rtlCol="0" anchor="ctr"/>
-          <a:lstStyle/>
-          <a:p>
-            <a:pPr algn="ctr"/>
-            <a:endParaRPr lang="de-DE"/>
-          </a:p>
-        </p:txBody>
-      </p:sp>
-      <p:sp>
-        <p:nvSpPr>
-          <p:cNvPr id="5" name="Rechteck 4"/>
-          <p:cNvSpPr/>
-          <p:nvPr/>
-        </p:nvSpPr>
-        <p:spPr>
-          <a:xfrm>
-            <a:off x="1049866" y="1343378"/>
-            <a:ext cx="6491112" cy="598311"/>
-          </a:xfrm>
-          <a:prstGeom prst="rect">
-            <a:avLst/>
-          </a:prstGeom>
-        </p:spPr>
-        <p:style>
-          <a:lnRef idx="2">
-            <a:schemeClr val="accent1">
-              <a:shade val="50000"/>
-            </a:schemeClr>
-          </a:lnRef>
-          <a:fillRef idx="1">
-            <a:schemeClr val="accent1"/>
-          </a:fillRef>
-          <a:effectRef idx="0">
-            <a:schemeClr val="accent1"/>
-          </a:effectRef>
-          <a:fontRef idx="minor">
-            <a:schemeClr val="lt1"/>
-          </a:fontRef>
-        </p:style>
-        <p:txBody>
-          <a:bodyPr rtlCol="0" anchor="ctr"/>
-          <a:lstStyle/>
-          <a:p>
-            <a:pPr algn="ctr"/>
-            <a:endParaRPr lang="de-DE"/>
-          </a:p>
-        </p:txBody>
-      </p:sp>
-      <p:sp>
-        <p:nvSpPr>
-          <p:cNvPr id="6" name="Textfeld 5"/>
-          <p:cNvSpPr txBox="1"/>
-          <p:nvPr/>
-        </p:nvSpPr>
-        <p:spPr>
-          <a:xfrm>
-            <a:off x="6096000" y="1398980"/>
-            <a:ext cx="2935111" cy="369332"/>
-          </a:xfrm>
-          <a:prstGeom prst="rect">
-            <a:avLst/>
-          </a:prstGeom>
-          <a:noFill/>
-        </p:spPr>
-        <p:txBody>
-          <a:bodyPr wrap="square" rtlCol="0">
-            <a:spAutoFit/>
-          </a:bodyPr>
+          <p:cNvPr id="3" name="Inhaltsplatzhalter 2"/>
+          <p:cNvSpPr>
+            <a:spLocks noGrp="1"/>
+          </p:cNvSpPr>
+          <p:nvPr>
+            <p:ph idx="1"/>
+          </p:nvPr>
+        </p:nvSpPr>
+        <p:spPr/>
+        <p:txBody>
+          <a:bodyPr/>
           <a:lstStyle/>
           <a:p>
             <a:r>
               <a:rPr lang="de-DE" dirty="0" smtClean="0"/>
-              <a:t>Pageheader mit Menüleisten</a:t>
-            </a:r>
-            <a:endParaRPr lang="de-DE" dirty="0"/>
-          </a:p>
-        </p:txBody>
-      </p:sp>
-      <p:sp>
-        <p:nvSpPr>
-          <p:cNvPr id="7" name="Rechteck 6"/>
-          <p:cNvSpPr/>
-          <p:nvPr/>
-        </p:nvSpPr>
-        <p:spPr>
-          <a:xfrm>
-            <a:off x="1636889" y="2793645"/>
-            <a:ext cx="2980266" cy="428978"/>
-          </a:xfrm>
-          <a:prstGeom prst="rect">
-            <a:avLst/>
-          </a:prstGeom>
-        </p:spPr>
-        <p:style>
-          <a:lnRef idx="2">
-            <a:schemeClr val="accent1">
-              <a:shade val="50000"/>
-            </a:schemeClr>
-          </a:lnRef>
-          <a:fillRef idx="1">
-            <a:schemeClr val="accent1"/>
-          </a:fillRef>
-          <a:effectRef idx="0">
-            <a:schemeClr val="accent1"/>
-          </a:effectRef>
-          <a:fontRef idx="minor">
-            <a:schemeClr val="lt1"/>
-          </a:fontRef>
-        </p:style>
-        <p:txBody>
-          <a:bodyPr rtlCol="0" anchor="ctr"/>
-          <a:lstStyle/>
-          <a:p>
-            <a:pPr algn="ctr"/>
+              <a:t>Im </a:t>
+            </a:r>
+            <a:r>
+              <a:rPr lang="de-DE" dirty="0"/>
+              <a:t>B</a:t>
+            </a:r>
             <a:r>
               <a:rPr lang="de-DE" dirty="0" smtClean="0"/>
-              <a:t>Thema 1 (Wohnungen)</a:t>
-            </a:r>
-            <a:endParaRPr lang="de-DE" dirty="0"/>
-          </a:p>
-        </p:txBody>
-      </p:sp>
-      <p:sp>
-        <p:nvSpPr>
-          <p:cNvPr id="8" name="Rechteck 7"/>
-          <p:cNvSpPr/>
-          <p:nvPr/>
-        </p:nvSpPr>
-        <p:spPr>
-          <a:xfrm>
-            <a:off x="4775200" y="2793645"/>
-            <a:ext cx="2438400" cy="428978"/>
-          </a:xfrm>
-          <a:prstGeom prst="rect">
-            <a:avLst/>
-          </a:prstGeom>
-        </p:spPr>
-        <p:style>
-          <a:lnRef idx="2">
-            <a:schemeClr val="accent1">
-              <a:shade val="50000"/>
-            </a:schemeClr>
-          </a:lnRef>
-          <a:fillRef idx="1">
-            <a:schemeClr val="accent1"/>
-          </a:fillRef>
-          <a:effectRef idx="0">
-            <a:schemeClr val="accent1"/>
-          </a:effectRef>
-          <a:fontRef idx="minor">
-            <a:schemeClr val="lt1"/>
-          </a:fontRef>
-        </p:style>
-        <p:txBody>
-          <a:bodyPr rtlCol="0" anchor="ctr"/>
-          <a:lstStyle/>
-          <a:p>
-            <a:pPr algn="ctr"/>
+              <a:t>ereich des Vereins werden </a:t>
+            </a:r>
+            <a:r>
+              <a:rPr lang="de-DE" dirty="0" err="1" smtClean="0"/>
+              <a:t>sämmtliche</a:t>
+            </a:r>
             <a:r>
               <a:rPr lang="de-DE" dirty="0" smtClean="0"/>
-              <a:t>Thread 1</a:t>
-            </a:r>
-            <a:endParaRPr lang="de-DE" dirty="0"/>
-          </a:p>
-        </p:txBody>
-      </p:sp>
-      <p:sp>
-        <p:nvSpPr>
-          <p:cNvPr id="9" name="Rechteck 8"/>
-          <p:cNvSpPr/>
-          <p:nvPr/>
-        </p:nvSpPr>
-        <p:spPr>
-          <a:xfrm>
-            <a:off x="1625600" y="3409244"/>
-            <a:ext cx="5508978" cy="2810934"/>
-          </a:xfrm>
-          <a:prstGeom prst="rect">
-            <a:avLst/>
-          </a:prstGeom>
-        </p:spPr>
-        <p:style>
-          <a:lnRef idx="2">
-            <a:schemeClr val="accent1">
-              <a:shade val="50000"/>
-            </a:schemeClr>
-          </a:lnRef>
-          <a:fillRef idx="1">
-            <a:schemeClr val="accent1"/>
-          </a:fillRef>
-          <a:effectRef idx="0">
-            <a:schemeClr val="accent1"/>
-          </a:effectRef>
-          <a:fontRef idx="minor">
-            <a:schemeClr val="lt1"/>
-          </a:fontRef>
-        </p:style>
-        <p:txBody>
-          <a:bodyPr rtlCol="0" anchor="ctr"/>
-          <a:lstStyle/>
-          <a:p>
-            <a:pPr algn="ctr"/>
+              <a:t> Artikel </a:t>
+            </a:r>
+            <a:r>
+              <a:rPr lang="de-DE" dirty="0" err="1" smtClean="0"/>
+              <a:t>indeziert</a:t>
+            </a:r>
             <a:r>
               <a:rPr lang="de-DE" dirty="0" smtClean="0"/>
-              <a:t>Thread 1 </a:t>
-            </a:r>
+              <a:t>.</a:t>
+            </a:r>
+          </a:p>
+          <a:p>
             <a:r>
               <a:rPr lang="de-DE" dirty="0" smtClean="0"/>
-              <a:t>- Content</a:t>
-            </a:r>
-            <a:endParaRPr lang="de-DE" dirty="0"/>
-          </a:p>
-        </p:txBody>
-      </p:sp>
-      <p:sp>
-        <p:nvSpPr>
-          <p:cNvPr id="15" name="Rechteck 14"/>
-          <p:cNvSpPr/>
-          <p:nvPr/>
-        </p:nvSpPr>
-        <p:spPr>
-          <a:xfrm>
-            <a:off x="1625600" y="2203979"/>
-            <a:ext cx="5034844" cy="485422"/>
-          </a:xfrm>
-          <a:prstGeom prst="rect">
-            <a:avLst/>
-          </a:prstGeom>
-        </p:spPr>
-        <p:style>
-          <a:lnRef idx="2">
-            <a:schemeClr val="accent1">
-              <a:shade val="50000"/>
-            </a:schemeClr>
-          </a:lnRef>
-          <a:fillRef idx="1">
-            <a:schemeClr val="accent1"/>
-          </a:fillRef>
-          <a:effectRef idx="0">
-            <a:schemeClr val="accent1"/>
-          </a:effectRef>
-          <a:fontRef idx="minor">
-            <a:schemeClr val="lt1"/>
-          </a:fontRef>
-        </p:style>
-        <p:txBody>
-          <a:bodyPr rtlCol="0" anchor="ctr"/>
-          <a:lstStyle/>
-          <a:p>
-            <a:pPr algn="ctr"/>
+              <a:t>Bei einem Aufruf(mehr) über die schwarzen Bretter wird in den </a:t>
+            </a:r>
             <a:r>
               <a:rPr lang="de-DE" dirty="0" err="1" smtClean="0"/>
-              <a:t>Ortsbezeichung</a:t>
+              <a:t>Vereinsberich</a:t>
+            </a:r>
+            <a:r>
+              <a:rPr lang="de-DE" smtClean="0"/>
+              <a:t> weitergeleitet</a:t>
             </a:r>
             <a:endParaRPr lang="de-DE" dirty="0"/>
           </a:p>
@@ -4503,158 +4407,7 @@
     </p:spTree>
     <p:extLst>
       <p:ext uri="{BB962C8B-B14F-4D97-AF65-F5344CB8AC3E}">
-        <p14:creationId xmlns:p14="http://schemas.microsoft.com/office/powerpoint/2010/main" val="3907787380"/>
-      </p:ext>
-    </p:extLst>
-  </p:cSld>
-  <p:clrMapOvr>
-    <a:masterClrMapping/>
-  </p:clrMapOvr>
-</p:sld>
-</file>
-
-<file path=ppt/slides/slide7.xml><?xml version="1.0" encoding="utf-8"?>
-<p:sld xmlns:a="http://schemas.openxmlformats.org/drawingml/2006/main" xmlns:r="http://schemas.openxmlformats.org/officeDocument/2006/relationships" xmlns:p="http://schemas.openxmlformats.org/presentationml/2006/main">
-  <p:cSld>
-    <p:spTree>
-      <p:nvGrpSpPr>
-        <p:cNvPr id="1" name=""/>
-        <p:cNvGrpSpPr/>
-        <p:nvPr/>
-      </p:nvGrpSpPr>
-      <p:grpSpPr>
-        <a:xfrm>
-          <a:off x="0" y="0"/>
-          <a:ext cx="0" cy="0"/>
-          <a:chOff x="0" y="0"/>
-          <a:chExt cx="0" cy="0"/>
-        </a:xfrm>
-      </p:grpSpPr>
-      <p:sp>
-        <p:nvSpPr>
-          <p:cNvPr id="2" name="Titel 1"/>
-          <p:cNvSpPr>
-            <a:spLocks noGrp="1"/>
-          </p:cNvSpPr>
-          <p:nvPr>
-            <p:ph type="title"/>
-          </p:nvPr>
-        </p:nvSpPr>
-        <p:spPr/>
-        <p:txBody>
-          <a:bodyPr/>
-          <a:lstStyle/>
-          <a:p>
-            <a:r>
-              <a:rPr lang="de-DE" dirty="0" smtClean="0"/>
-              <a:t>Beschreibung </a:t>
-            </a:r>
-            <a:r>
-              <a:rPr lang="de-DE" dirty="0" smtClean="0"/>
-              <a:t>Poweruser Sicht</a:t>
-            </a:r>
-            <a:endParaRPr lang="de-DE" dirty="0"/>
-          </a:p>
-        </p:txBody>
-      </p:sp>
-      <p:sp>
-        <p:nvSpPr>
-          <p:cNvPr id="3" name="Inhaltsplatzhalter 2"/>
-          <p:cNvSpPr>
-            <a:spLocks noGrp="1"/>
-          </p:cNvSpPr>
-          <p:nvPr>
-            <p:ph idx="1"/>
-          </p:nvPr>
-        </p:nvSpPr>
-        <p:spPr/>
-        <p:txBody>
-          <a:bodyPr/>
-          <a:lstStyle/>
-          <a:p>
-            <a:pPr marL="0" indent="0">
-              <a:buNone/>
-            </a:pPr>
-            <a:r>
-              <a:rPr lang="de-DE" dirty="0" smtClean="0"/>
-              <a:t>Der Poweruser muss sich mitseiner Email verifizieren und ist berechtigt Content einzustellen</a:t>
-            </a:r>
-            <a:endParaRPr lang="de-DE" dirty="0"/>
-          </a:p>
-        </p:txBody>
-      </p:sp>
-    </p:spTree>
-    <p:extLst>
-      <p:ext uri="{BB962C8B-B14F-4D97-AF65-F5344CB8AC3E}">
-        <p14:creationId xmlns:p14="http://schemas.microsoft.com/office/powerpoint/2010/main" val="3922042835"/>
-      </p:ext>
-    </p:extLst>
-  </p:cSld>
-  <p:clrMapOvr>
-    <a:masterClrMapping/>
-  </p:clrMapOvr>
-</p:sld>
-</file>
-
-<file path=ppt/slides/slide8.xml><?xml version="1.0" encoding="utf-8"?>
-<p:sld xmlns:a="http://schemas.openxmlformats.org/drawingml/2006/main" xmlns:r="http://schemas.openxmlformats.org/officeDocument/2006/relationships" xmlns:p="http://schemas.openxmlformats.org/presentationml/2006/main">
-  <p:cSld>
-    <p:spTree>
-      <p:nvGrpSpPr>
-        <p:cNvPr id="1" name=""/>
-        <p:cNvGrpSpPr/>
-        <p:nvPr/>
-      </p:nvGrpSpPr>
-      <p:grpSpPr>
-        <a:xfrm>
-          <a:off x="0" y="0"/>
-          <a:ext cx="0" cy="0"/>
-          <a:chOff x="0" y="0"/>
-          <a:chExt cx="0" cy="0"/>
-        </a:xfrm>
-      </p:grpSpPr>
-      <p:sp>
-        <p:nvSpPr>
-          <p:cNvPr id="2" name="Titel 1"/>
-          <p:cNvSpPr>
-            <a:spLocks noGrp="1"/>
-          </p:cNvSpPr>
-          <p:nvPr>
-            <p:ph type="title"/>
-          </p:nvPr>
-        </p:nvSpPr>
-        <p:spPr/>
-        <p:txBody>
-          <a:bodyPr/>
-          <a:lstStyle/>
-          <a:p>
-            <a:endParaRPr lang="de-DE"/>
-          </a:p>
-        </p:txBody>
-      </p:sp>
-      <p:sp>
-        <p:nvSpPr>
-          <p:cNvPr id="3" name="Inhaltsplatzhalter 2"/>
-          <p:cNvSpPr>
-            <a:spLocks noGrp="1"/>
-          </p:cNvSpPr>
-          <p:nvPr>
-            <p:ph idx="1"/>
-          </p:nvPr>
-        </p:nvSpPr>
-        <p:spPr/>
-        <p:txBody>
-          <a:bodyPr/>
-          <a:lstStyle/>
-          <a:p>
-            <a:endParaRPr lang="de-DE"/>
-          </a:p>
-        </p:txBody>
-      </p:sp>
-    </p:spTree>
-    <p:extLst>
-      <p:ext uri="{BB962C8B-B14F-4D97-AF65-F5344CB8AC3E}">
-        <p14:creationId xmlns:p14="http://schemas.microsoft.com/office/powerpoint/2010/main" val="1458996411"/>
+        <p14:creationId xmlns:p14="http://schemas.microsoft.com/office/powerpoint/2010/main" val="837442085"/>
       </p:ext>
     </p:extLst>
   </p:cSld>

--- a/Solution_Design/Story Board/Storys/RA-35-Schwarzes Brett/RA-35-Schwarzes Brett.pptx
+++ b/Solution_Design/Story Board/Storys/RA-35-Schwarzes Brett/RA-35-Schwarzes Brett.pptx
@@ -11,6 +11,7 @@
     <p:sldId id="259" r:id="rId5"/>
     <p:sldId id="260" r:id="rId6"/>
     <p:sldId id="261" r:id="rId7"/>
+    <p:sldId id="262" r:id="rId8"/>
   </p:sldIdLst>
   <p:sldSz cx="12192000" cy="6858000"/>
   <p:notesSz cx="6858000" cy="9144000"/>
@@ -3541,6 +3542,132 @@
           </a:p>
         </p:txBody>
       </p:sp>
+      <p:sp>
+        <p:nvSpPr>
+          <p:cNvPr id="2" name="Rechteck 1"/>
+          <p:cNvSpPr/>
+          <p:nvPr/>
+        </p:nvSpPr>
+        <p:spPr>
+          <a:xfrm>
+            <a:off x="7258756" y="1501422"/>
+            <a:ext cx="3488266" cy="3702756"/>
+          </a:xfrm>
+          <a:prstGeom prst="rect">
+            <a:avLst/>
+          </a:prstGeom>
+        </p:spPr>
+        <p:style>
+          <a:lnRef idx="2">
+            <a:schemeClr val="accent1">
+              <a:shade val="50000"/>
+            </a:schemeClr>
+          </a:lnRef>
+          <a:fillRef idx="1">
+            <a:schemeClr val="accent1"/>
+          </a:fillRef>
+          <a:effectRef idx="0">
+            <a:schemeClr val="accent1"/>
+          </a:effectRef>
+          <a:fontRef idx="minor">
+            <a:schemeClr val="lt1"/>
+          </a:fontRef>
+        </p:style>
+        <p:txBody>
+          <a:bodyPr rtlCol="0" anchor="ctr"/>
+          <a:lstStyle/>
+          <a:p>
+            <a:pPr algn="ctr"/>
+            <a:r>
+              <a:rPr lang="de-DE" dirty="0" smtClean="0"/>
+              <a:t>Dieses beiden </a:t>
+            </a:r>
+            <a:r>
+              <a:rPr lang="de-DE" dirty="0" err="1" smtClean="0"/>
+              <a:t>seiten</a:t>
+            </a:r>
+            <a:r>
+              <a:rPr lang="de-DE" dirty="0" smtClean="0"/>
+              <a:t>, stellen keine Unabhängigen </a:t>
+            </a:r>
+            <a:r>
+              <a:rPr lang="de-DE" dirty="0" err="1" smtClean="0"/>
+              <a:t>subpages</a:t>
+            </a:r>
+            <a:r>
+              <a:rPr lang="de-DE" dirty="0" smtClean="0"/>
+              <a:t> dar, sondern sind die entsprechenden Startseiten</a:t>
+            </a:r>
+            <a:endParaRPr lang="de-DE" dirty="0"/>
+          </a:p>
+        </p:txBody>
+      </p:sp>
+      <p:cxnSp>
+        <p:nvCxnSpPr>
+          <p:cNvPr id="8" name="Gerade Verbindung mit Pfeil 7"/>
+          <p:cNvCxnSpPr/>
+          <p:nvPr/>
+        </p:nvCxnSpPr>
+        <p:spPr>
+          <a:xfrm flipH="1" flipV="1">
+            <a:off x="4605867" y="1151467"/>
+            <a:ext cx="2878666" cy="1580444"/>
+          </a:xfrm>
+          <a:prstGeom prst="straightConnector1">
+            <a:avLst/>
+          </a:prstGeom>
+          <a:ln>
+            <a:tailEnd type="triangle"/>
+          </a:ln>
+        </p:spPr>
+        <p:style>
+          <a:lnRef idx="1">
+            <a:schemeClr val="accent1"/>
+          </a:lnRef>
+          <a:fillRef idx="0">
+            <a:schemeClr val="accent1"/>
+          </a:fillRef>
+          <a:effectRef idx="0">
+            <a:schemeClr val="accent1"/>
+          </a:effectRef>
+          <a:fontRef idx="minor">
+            <a:schemeClr val="tx1"/>
+          </a:fontRef>
+        </p:style>
+      </p:cxnSp>
+      <p:cxnSp>
+        <p:nvCxnSpPr>
+          <p:cNvPr id="9" name="Gerade Verbindung mit Pfeil 8"/>
+          <p:cNvCxnSpPr/>
+          <p:nvPr/>
+        </p:nvCxnSpPr>
+        <p:spPr>
+          <a:xfrm flipH="1" flipV="1">
+            <a:off x="5486400" y="2483556"/>
+            <a:ext cx="2150533" cy="400755"/>
+          </a:xfrm>
+          <a:prstGeom prst="straightConnector1">
+            <a:avLst/>
+          </a:prstGeom>
+          <a:ln>
+            <a:tailEnd type="triangle"/>
+          </a:ln>
+        </p:spPr>
+        <p:style>
+          <a:lnRef idx="1">
+            <a:schemeClr val="accent1"/>
+          </a:lnRef>
+          <a:fillRef idx="0">
+            <a:schemeClr val="accent1"/>
+          </a:fillRef>
+          <a:effectRef idx="0">
+            <a:schemeClr val="accent1"/>
+          </a:effectRef>
+          <a:fontRef idx="minor">
+            <a:schemeClr val="tx1"/>
+          </a:fontRef>
+        </p:style>
+      </p:cxnSp>
     </p:spTree>
     <p:extLst>
       <p:ext uri="{BB962C8B-B14F-4D97-AF65-F5344CB8AC3E}">
@@ -3651,8 +3778,8 @@
               <a:buAutoNum type="arabicPeriod"/>
             </a:pPr>
             <a:r>
-              <a:rPr lang="de-DE" dirty="0" err="1" smtClean="0"/>
-              <a:t>ZUsammenfassung</a:t>
+              <a:rPr lang="de-DE" dirty="0" smtClean="0"/>
+              <a:t>Zusammenfassung</a:t>
             </a:r>
             <a:endParaRPr lang="de-DE" dirty="0"/>
           </a:p>
@@ -3783,7 +3910,11 @@
           <a:bodyPr/>
           <a:lstStyle/>
           <a:p>
-            <a:endParaRPr lang="de-DE"/>
+            <a:r>
+              <a:rPr lang="de-DE" dirty="0" smtClean="0"/>
+              <a:t>Datenbank</a:t>
+            </a:r>
+            <a:endParaRPr lang="de-DE" dirty="0"/>
           </a:p>
         </p:txBody>
       </p:sp>
@@ -4397,7 +4528,7 @@
               <a:t>Vereinsberich</a:t>
             </a:r>
             <a:r>
-              <a:rPr lang="de-DE" smtClean="0"/>
+              <a:rPr lang="de-DE" dirty="0" smtClean="0"/>
               <a:t> weitergeleitet</a:t>
             </a:r>
             <a:endParaRPr lang="de-DE" dirty="0"/>
@@ -4408,6 +4539,456 @@
     <p:extLst>
       <p:ext uri="{BB962C8B-B14F-4D97-AF65-F5344CB8AC3E}">
         <p14:creationId xmlns:p14="http://schemas.microsoft.com/office/powerpoint/2010/main" val="837442085"/>
+      </p:ext>
+    </p:extLst>
+  </p:cSld>
+  <p:clrMapOvr>
+    <a:masterClrMapping/>
+  </p:clrMapOvr>
+</p:sld>
+</file>
+
+<file path=ppt/slides/slide7.xml><?xml version="1.0" encoding="utf-8"?>
+<p:sld xmlns:a="http://schemas.openxmlformats.org/drawingml/2006/main" xmlns:r="http://schemas.openxmlformats.org/officeDocument/2006/relationships" xmlns:p="http://schemas.openxmlformats.org/presentationml/2006/main">
+  <p:cSld>
+    <p:spTree>
+      <p:nvGrpSpPr>
+        <p:cNvPr id="1" name=""/>
+        <p:cNvGrpSpPr/>
+        <p:nvPr/>
+      </p:nvGrpSpPr>
+      <p:grpSpPr>
+        <a:xfrm>
+          <a:off x="0" y="0"/>
+          <a:ext cx="0" cy="0"/>
+          <a:chOff x="0" y="0"/>
+          <a:chExt cx="0" cy="0"/>
+        </a:xfrm>
+      </p:grpSpPr>
+      <p:sp>
+        <p:nvSpPr>
+          <p:cNvPr id="2" name="Titel 1"/>
+          <p:cNvSpPr>
+            <a:spLocks noGrp="1"/>
+          </p:cNvSpPr>
+          <p:nvPr>
+            <p:ph type="title"/>
+          </p:nvPr>
+        </p:nvSpPr>
+        <p:spPr/>
+        <p:txBody>
+          <a:bodyPr/>
+          <a:lstStyle/>
+          <a:p>
+            <a:r>
+              <a:rPr lang="de-DE" dirty="0" smtClean="0"/>
+              <a:t>Schwarzes Brett</a:t>
+            </a:r>
+            <a:endParaRPr lang="de-DE" dirty="0"/>
+          </a:p>
+        </p:txBody>
+      </p:sp>
+      <p:sp>
+        <p:nvSpPr>
+          <p:cNvPr id="3" name="Inhaltsplatzhalter 2"/>
+          <p:cNvSpPr>
+            <a:spLocks noGrp="1"/>
+          </p:cNvSpPr>
+          <p:nvPr>
+            <p:ph idx="1"/>
+          </p:nvPr>
+        </p:nvSpPr>
+        <p:spPr/>
+        <p:txBody>
+          <a:bodyPr/>
+          <a:lstStyle/>
+          <a:p>
+            <a:pPr marL="0" indent="0">
+              <a:buNone/>
+            </a:pPr>
+            <a:endParaRPr lang="de-DE" dirty="0"/>
+          </a:p>
+        </p:txBody>
+      </p:sp>
+      <p:pic>
+        <p:nvPicPr>
+          <p:cNvPr id="4" name="Grafik 3"/>
+          <p:cNvPicPr>
+            <a:picLocks noChangeAspect="1"/>
+          </p:cNvPicPr>
+          <p:nvPr/>
+        </p:nvPicPr>
+        <p:blipFill rotWithShape="1">
+          <a:blip r:embed="rId2"/>
+          <a:srcRect l="-21038" t="9181" r="50215" b="18768"/>
+          <a:stretch/>
+        </p:blipFill>
+        <p:spPr>
+          <a:xfrm>
+            <a:off x="-4541135" y="0"/>
+            <a:ext cx="15308722" cy="6157732"/>
+          </a:xfrm>
+          <a:prstGeom prst="rect">
+            <a:avLst/>
+          </a:prstGeom>
+        </p:spPr>
+      </p:pic>
+      <p:sp>
+        <p:nvSpPr>
+          <p:cNvPr id="5" name="Rechteck 4"/>
+          <p:cNvSpPr/>
+          <p:nvPr/>
+        </p:nvSpPr>
+        <p:spPr>
+          <a:xfrm>
+            <a:off x="578734" y="2604303"/>
+            <a:ext cx="3264061" cy="324091"/>
+          </a:xfrm>
+          <a:prstGeom prst="rect">
+            <a:avLst/>
+          </a:prstGeom>
+        </p:spPr>
+        <p:style>
+          <a:lnRef idx="2">
+            <a:schemeClr val="accent1">
+              <a:shade val="50000"/>
+            </a:schemeClr>
+          </a:lnRef>
+          <a:fillRef idx="1">
+            <a:schemeClr val="accent1"/>
+          </a:fillRef>
+          <a:effectRef idx="0">
+            <a:schemeClr val="accent1"/>
+          </a:effectRef>
+          <a:fontRef idx="minor">
+            <a:schemeClr val="lt1"/>
+          </a:fontRef>
+        </p:style>
+        <p:txBody>
+          <a:bodyPr rtlCol="0" anchor="ctr"/>
+          <a:lstStyle/>
+          <a:p>
+            <a:pPr algn="ctr"/>
+            <a:r>
+              <a:rPr lang="de-DE" dirty="0" smtClean="0"/>
+              <a:t>Titel 1</a:t>
+            </a:r>
+            <a:endParaRPr lang="de-DE" dirty="0"/>
+          </a:p>
+        </p:txBody>
+      </p:sp>
+      <p:sp>
+        <p:nvSpPr>
+          <p:cNvPr id="6" name="Rechteck 5"/>
+          <p:cNvSpPr/>
+          <p:nvPr/>
+        </p:nvSpPr>
+        <p:spPr>
+          <a:xfrm>
+            <a:off x="578734" y="2928394"/>
+            <a:ext cx="7986532" cy="682907"/>
+          </a:xfrm>
+          <a:prstGeom prst="rect">
+            <a:avLst/>
+          </a:prstGeom>
+        </p:spPr>
+        <p:style>
+          <a:lnRef idx="2">
+            <a:schemeClr val="accent1">
+              <a:shade val="50000"/>
+            </a:schemeClr>
+          </a:lnRef>
+          <a:fillRef idx="1">
+            <a:schemeClr val="accent1"/>
+          </a:fillRef>
+          <a:effectRef idx="0">
+            <a:schemeClr val="accent1"/>
+          </a:effectRef>
+          <a:fontRef idx="minor">
+            <a:schemeClr val="lt1"/>
+          </a:fontRef>
+        </p:style>
+        <p:txBody>
+          <a:bodyPr rtlCol="0" anchor="ctr"/>
+          <a:lstStyle/>
+          <a:p>
+            <a:pPr algn="ctr"/>
+            <a:r>
+              <a:rPr lang="de-DE" dirty="0" smtClean="0"/>
+              <a:t>Zusammenfassung 1 </a:t>
+            </a:r>
+            <a:endParaRPr lang="de-DE" dirty="0"/>
+          </a:p>
+        </p:txBody>
+      </p:sp>
+      <p:sp>
+        <p:nvSpPr>
+          <p:cNvPr id="7" name="Rechteck 6"/>
+          <p:cNvSpPr/>
+          <p:nvPr/>
+        </p:nvSpPr>
+        <p:spPr>
+          <a:xfrm>
+            <a:off x="578734" y="3611301"/>
+            <a:ext cx="3264061" cy="324091"/>
+          </a:xfrm>
+          <a:prstGeom prst="rect">
+            <a:avLst/>
+          </a:prstGeom>
+        </p:spPr>
+        <p:style>
+          <a:lnRef idx="2">
+            <a:schemeClr val="accent1">
+              <a:shade val="50000"/>
+            </a:schemeClr>
+          </a:lnRef>
+          <a:fillRef idx="1">
+            <a:schemeClr val="accent1"/>
+          </a:fillRef>
+          <a:effectRef idx="0">
+            <a:schemeClr val="accent1"/>
+          </a:effectRef>
+          <a:fontRef idx="minor">
+            <a:schemeClr val="lt1"/>
+          </a:fontRef>
+        </p:style>
+        <p:txBody>
+          <a:bodyPr rtlCol="0" anchor="ctr"/>
+          <a:lstStyle/>
+          <a:p>
+            <a:pPr algn="ctr"/>
+            <a:r>
+              <a:rPr lang="de-DE" dirty="0" smtClean="0"/>
+              <a:t>Titel 2</a:t>
+            </a:r>
+            <a:endParaRPr lang="de-DE" dirty="0"/>
+          </a:p>
+        </p:txBody>
+      </p:sp>
+      <p:sp>
+        <p:nvSpPr>
+          <p:cNvPr id="8" name="Rechteck 7"/>
+          <p:cNvSpPr/>
+          <p:nvPr/>
+        </p:nvSpPr>
+        <p:spPr>
+          <a:xfrm>
+            <a:off x="578734" y="3935392"/>
+            <a:ext cx="7986532" cy="682907"/>
+          </a:xfrm>
+          <a:prstGeom prst="rect">
+            <a:avLst/>
+          </a:prstGeom>
+        </p:spPr>
+        <p:style>
+          <a:lnRef idx="2">
+            <a:schemeClr val="accent1">
+              <a:shade val="50000"/>
+            </a:schemeClr>
+          </a:lnRef>
+          <a:fillRef idx="1">
+            <a:schemeClr val="accent1"/>
+          </a:fillRef>
+          <a:effectRef idx="0">
+            <a:schemeClr val="accent1"/>
+          </a:effectRef>
+          <a:fontRef idx="minor">
+            <a:schemeClr val="lt1"/>
+          </a:fontRef>
+        </p:style>
+        <p:txBody>
+          <a:bodyPr rtlCol="0" anchor="ctr"/>
+          <a:lstStyle/>
+          <a:p>
+            <a:pPr algn="ctr"/>
+            <a:r>
+              <a:rPr lang="de-DE" dirty="0" smtClean="0"/>
+              <a:t>Zusammenfassung 2 </a:t>
+            </a:r>
+            <a:endParaRPr lang="de-DE" dirty="0"/>
+          </a:p>
+        </p:txBody>
+      </p:sp>
+      <p:sp>
+        <p:nvSpPr>
+          <p:cNvPr id="9" name="Rechteck 8"/>
+          <p:cNvSpPr/>
+          <p:nvPr/>
+        </p:nvSpPr>
+        <p:spPr>
+          <a:xfrm>
+            <a:off x="578734" y="4618299"/>
+            <a:ext cx="3264061" cy="324091"/>
+          </a:xfrm>
+          <a:prstGeom prst="rect">
+            <a:avLst/>
+          </a:prstGeom>
+        </p:spPr>
+        <p:style>
+          <a:lnRef idx="2">
+            <a:schemeClr val="accent1">
+              <a:shade val="50000"/>
+            </a:schemeClr>
+          </a:lnRef>
+          <a:fillRef idx="1">
+            <a:schemeClr val="accent1"/>
+          </a:fillRef>
+          <a:effectRef idx="0">
+            <a:schemeClr val="accent1"/>
+          </a:effectRef>
+          <a:fontRef idx="minor">
+            <a:schemeClr val="lt1"/>
+          </a:fontRef>
+        </p:style>
+        <p:txBody>
+          <a:bodyPr rtlCol="0" anchor="ctr"/>
+          <a:lstStyle/>
+          <a:p>
+            <a:pPr algn="ctr"/>
+            <a:r>
+              <a:rPr lang="de-DE" dirty="0" smtClean="0"/>
+              <a:t>Titel 3</a:t>
+            </a:r>
+            <a:endParaRPr lang="de-DE" dirty="0"/>
+          </a:p>
+        </p:txBody>
+      </p:sp>
+      <p:sp>
+        <p:nvSpPr>
+          <p:cNvPr id="10" name="Rechteck 9"/>
+          <p:cNvSpPr/>
+          <p:nvPr/>
+        </p:nvSpPr>
+        <p:spPr>
+          <a:xfrm>
+            <a:off x="578734" y="4942390"/>
+            <a:ext cx="7986532" cy="682907"/>
+          </a:xfrm>
+          <a:prstGeom prst="rect">
+            <a:avLst/>
+          </a:prstGeom>
+        </p:spPr>
+        <p:style>
+          <a:lnRef idx="2">
+            <a:schemeClr val="accent1">
+              <a:shade val="50000"/>
+            </a:schemeClr>
+          </a:lnRef>
+          <a:fillRef idx="1">
+            <a:schemeClr val="accent1"/>
+          </a:fillRef>
+          <a:effectRef idx="0">
+            <a:schemeClr val="accent1"/>
+          </a:effectRef>
+          <a:fontRef idx="minor">
+            <a:schemeClr val="lt1"/>
+          </a:fontRef>
+        </p:style>
+        <p:txBody>
+          <a:bodyPr rtlCol="0" anchor="ctr"/>
+          <a:lstStyle/>
+          <a:p>
+            <a:pPr algn="ctr"/>
+            <a:r>
+              <a:rPr lang="de-DE" dirty="0" smtClean="0"/>
+              <a:t>Zusammenfassung 3 </a:t>
+            </a:r>
+            <a:endParaRPr lang="de-DE" dirty="0"/>
+          </a:p>
+        </p:txBody>
+      </p:sp>
+      <p:sp>
+        <p:nvSpPr>
+          <p:cNvPr id="11" name="Rechteck 10"/>
+          <p:cNvSpPr/>
+          <p:nvPr/>
+        </p:nvSpPr>
+        <p:spPr>
+          <a:xfrm>
+            <a:off x="578734" y="5625297"/>
+            <a:ext cx="3264061" cy="324091"/>
+          </a:xfrm>
+          <a:prstGeom prst="rect">
+            <a:avLst/>
+          </a:prstGeom>
+        </p:spPr>
+        <p:style>
+          <a:lnRef idx="2">
+            <a:schemeClr val="accent1">
+              <a:shade val="50000"/>
+            </a:schemeClr>
+          </a:lnRef>
+          <a:fillRef idx="1">
+            <a:schemeClr val="accent1"/>
+          </a:fillRef>
+          <a:effectRef idx="0">
+            <a:schemeClr val="accent1"/>
+          </a:effectRef>
+          <a:fontRef idx="minor">
+            <a:schemeClr val="lt1"/>
+          </a:fontRef>
+        </p:style>
+        <p:txBody>
+          <a:bodyPr rtlCol="0" anchor="ctr"/>
+          <a:lstStyle/>
+          <a:p>
+            <a:pPr algn="ctr"/>
+            <a:r>
+              <a:rPr lang="de-DE" dirty="0" smtClean="0"/>
+              <a:t>Titel 4</a:t>
+            </a:r>
+            <a:endParaRPr lang="de-DE" dirty="0"/>
+          </a:p>
+        </p:txBody>
+      </p:sp>
+      <p:sp>
+        <p:nvSpPr>
+          <p:cNvPr id="12" name="Rechteck 11"/>
+          <p:cNvSpPr/>
+          <p:nvPr/>
+        </p:nvSpPr>
+        <p:spPr>
+          <a:xfrm>
+            <a:off x="578734" y="5949388"/>
+            <a:ext cx="7986532" cy="682907"/>
+          </a:xfrm>
+          <a:prstGeom prst="rect">
+            <a:avLst/>
+          </a:prstGeom>
+        </p:spPr>
+        <p:style>
+          <a:lnRef idx="2">
+            <a:schemeClr val="accent1">
+              <a:shade val="50000"/>
+            </a:schemeClr>
+          </a:lnRef>
+          <a:fillRef idx="1">
+            <a:schemeClr val="accent1"/>
+          </a:fillRef>
+          <a:effectRef idx="0">
+            <a:schemeClr val="accent1"/>
+          </a:effectRef>
+          <a:fontRef idx="minor">
+            <a:schemeClr val="lt1"/>
+          </a:fontRef>
+        </p:style>
+        <p:txBody>
+          <a:bodyPr rtlCol="0" anchor="ctr"/>
+          <a:lstStyle/>
+          <a:p>
+            <a:pPr algn="ctr"/>
+            <a:r>
+              <a:rPr lang="de-DE" dirty="0" smtClean="0"/>
+              <a:t>Zusammenfassung 4 </a:t>
+            </a:r>
+            <a:endParaRPr lang="de-DE" dirty="0"/>
+          </a:p>
+        </p:txBody>
+      </p:sp>
+    </p:spTree>
+    <p:extLst>
+      <p:ext uri="{BB962C8B-B14F-4D97-AF65-F5344CB8AC3E}">
+        <p14:creationId xmlns:p14="http://schemas.microsoft.com/office/powerpoint/2010/main" val="2534608814"/>
       </p:ext>
     </p:extLst>
   </p:cSld>

--- a/Solution_Design/Story Board/Storys/RA-35-Schwarzes Brett/RA-35-Schwarzes Brett.pptx
+++ b/Solution_Design/Story Board/Storys/RA-35-Schwarzes Brett/RA-35-Schwarzes Brett.pptx
@@ -12,6 +12,7 @@
     <p:sldId id="260" r:id="rId6"/>
     <p:sldId id="261" r:id="rId7"/>
     <p:sldId id="262" r:id="rId8"/>
+    <p:sldId id="263" r:id="rId9"/>
   </p:sldIdLst>
   <p:sldSz cx="12192000" cy="6858000"/>
   <p:notesSz cx="6858000" cy="9144000"/>
@@ -249,7 +250,7 @@
           <a:p>
             <a:fld id="{446AC338-7880-462F-A8B6-FF73D39380B3}" type="datetimeFigureOut">
               <a:rPr lang="de-DE" smtClean="0"/>
-              <a:t>30.11.2015</a:t>
+              <a:t>01.12.2015</a:t>
             </a:fld>
             <a:endParaRPr lang="de-DE"/>
           </a:p>
@@ -419,7 +420,7 @@
           <a:p>
             <a:fld id="{446AC338-7880-462F-A8B6-FF73D39380B3}" type="datetimeFigureOut">
               <a:rPr lang="de-DE" smtClean="0"/>
-              <a:t>30.11.2015</a:t>
+              <a:t>01.12.2015</a:t>
             </a:fld>
             <a:endParaRPr lang="de-DE"/>
           </a:p>
@@ -599,7 +600,7 @@
           <a:p>
             <a:fld id="{446AC338-7880-462F-A8B6-FF73D39380B3}" type="datetimeFigureOut">
               <a:rPr lang="de-DE" smtClean="0"/>
-              <a:t>30.11.2015</a:t>
+              <a:t>01.12.2015</a:t>
             </a:fld>
             <a:endParaRPr lang="de-DE"/>
           </a:p>
@@ -769,7 +770,7 @@
           <a:p>
             <a:fld id="{446AC338-7880-462F-A8B6-FF73D39380B3}" type="datetimeFigureOut">
               <a:rPr lang="de-DE" smtClean="0"/>
-              <a:t>30.11.2015</a:t>
+              <a:t>01.12.2015</a:t>
             </a:fld>
             <a:endParaRPr lang="de-DE"/>
           </a:p>
@@ -1015,7 +1016,7 @@
           <a:p>
             <a:fld id="{446AC338-7880-462F-A8B6-FF73D39380B3}" type="datetimeFigureOut">
               <a:rPr lang="de-DE" smtClean="0"/>
-              <a:t>30.11.2015</a:t>
+              <a:t>01.12.2015</a:t>
             </a:fld>
             <a:endParaRPr lang="de-DE"/>
           </a:p>
@@ -1247,7 +1248,7 @@
           <a:p>
             <a:fld id="{446AC338-7880-462F-A8B6-FF73D39380B3}" type="datetimeFigureOut">
               <a:rPr lang="de-DE" smtClean="0"/>
-              <a:t>30.11.2015</a:t>
+              <a:t>01.12.2015</a:t>
             </a:fld>
             <a:endParaRPr lang="de-DE"/>
           </a:p>
@@ -1614,7 +1615,7 @@
           <a:p>
             <a:fld id="{446AC338-7880-462F-A8B6-FF73D39380B3}" type="datetimeFigureOut">
               <a:rPr lang="de-DE" smtClean="0"/>
-              <a:t>30.11.2015</a:t>
+              <a:t>01.12.2015</a:t>
             </a:fld>
             <a:endParaRPr lang="de-DE"/>
           </a:p>
@@ -1732,7 +1733,7 @@
           <a:p>
             <a:fld id="{446AC338-7880-462F-A8B6-FF73D39380B3}" type="datetimeFigureOut">
               <a:rPr lang="de-DE" smtClean="0"/>
-              <a:t>30.11.2015</a:t>
+              <a:t>01.12.2015</a:t>
             </a:fld>
             <a:endParaRPr lang="de-DE"/>
           </a:p>
@@ -1827,7 +1828,7 @@
           <a:p>
             <a:fld id="{446AC338-7880-462F-A8B6-FF73D39380B3}" type="datetimeFigureOut">
               <a:rPr lang="de-DE" smtClean="0"/>
-              <a:t>30.11.2015</a:t>
+              <a:t>01.12.2015</a:t>
             </a:fld>
             <a:endParaRPr lang="de-DE"/>
           </a:p>
@@ -2104,7 +2105,7 @@
           <a:p>
             <a:fld id="{446AC338-7880-462F-A8B6-FF73D39380B3}" type="datetimeFigureOut">
               <a:rPr lang="de-DE" smtClean="0"/>
-              <a:t>30.11.2015</a:t>
+              <a:t>01.12.2015</a:t>
             </a:fld>
             <a:endParaRPr lang="de-DE"/>
           </a:p>
@@ -2357,7 +2358,7 @@
           <a:p>
             <a:fld id="{446AC338-7880-462F-A8B6-FF73D39380B3}" type="datetimeFigureOut">
               <a:rPr lang="de-DE" smtClean="0"/>
-              <a:t>30.11.2015</a:t>
+              <a:t>01.12.2015</a:t>
             </a:fld>
             <a:endParaRPr lang="de-DE"/>
           </a:p>
@@ -2570,7 +2571,7 @@
           <a:p>
             <a:fld id="{446AC338-7880-462F-A8B6-FF73D39380B3}" type="datetimeFigureOut">
               <a:rPr lang="de-DE" smtClean="0"/>
-              <a:t>30.11.2015</a:t>
+              <a:t>01.12.2015</a:t>
             </a:fld>
             <a:endParaRPr lang="de-DE"/>
           </a:p>
@@ -3875,6 +3876,13 @@
   <p:clrMapOvr>
     <a:masterClrMapping/>
   </p:clrMapOvr>
+  <p:timing>
+    <p:tnLst>
+      <p:par>
+        <p:cTn id="1" dur="indefinite" restart="never" nodeType="tmRoot"/>
+      </p:par>
+    </p:tnLst>
+  </p:timing>
 </p:sld>
 </file>
 
@@ -4431,6 +4439,13 @@
   <p:clrMapOvr>
     <a:masterClrMapping/>
   </p:clrMapOvr>
+  <p:timing>
+    <p:tnLst>
+      <p:par>
+        <p:cTn id="1" dur="indefinite" restart="never" nodeType="tmRoot"/>
+      </p:par>
+    </p:tnLst>
+  </p:timing>
 </p:sld>
 </file>
 
@@ -4545,6 +4560,13 @@
   <p:clrMapOvr>
     <a:masterClrMapping/>
   </p:clrMapOvr>
+  <p:timing>
+    <p:tnLst>
+      <p:par>
+        <p:cTn id="1" dur="indefinite" restart="never" nodeType="tmRoot"/>
+      </p:par>
+    </p:tnLst>
+  </p:timing>
 </p:sld>
 </file>
 
@@ -4995,6 +5017,250 @@
   <p:clrMapOvr>
     <a:masterClrMapping/>
   </p:clrMapOvr>
+  <p:timing>
+    <p:tnLst>
+      <p:par>
+        <p:cTn id="1" dur="indefinite" restart="never" nodeType="tmRoot"/>
+      </p:par>
+    </p:tnLst>
+  </p:timing>
+</p:sld>
+</file>
+
+<file path=ppt/slides/slide8.xml><?xml version="1.0" encoding="utf-8"?>
+<p:sld xmlns:a="http://schemas.openxmlformats.org/drawingml/2006/main" xmlns:r="http://schemas.openxmlformats.org/officeDocument/2006/relationships" xmlns:p="http://schemas.openxmlformats.org/presentationml/2006/main">
+  <p:cSld>
+    <p:spTree>
+      <p:nvGrpSpPr>
+        <p:cNvPr id="1" name=""/>
+        <p:cNvGrpSpPr/>
+        <p:nvPr/>
+      </p:nvGrpSpPr>
+      <p:grpSpPr>
+        <a:xfrm>
+          <a:off x="0" y="0"/>
+          <a:ext cx="0" cy="0"/>
+          <a:chOff x="0" y="0"/>
+          <a:chExt cx="0" cy="0"/>
+        </a:xfrm>
+      </p:grpSpPr>
+      <p:sp>
+        <p:nvSpPr>
+          <p:cNvPr id="2" name="Titel 1"/>
+          <p:cNvSpPr>
+            <a:spLocks noGrp="1"/>
+          </p:cNvSpPr>
+          <p:nvPr>
+            <p:ph type="title"/>
+          </p:nvPr>
+        </p:nvSpPr>
+        <p:spPr/>
+        <p:txBody>
+          <a:bodyPr/>
+          <a:lstStyle/>
+          <a:p>
+            <a:r>
+              <a:rPr lang="de-DE" dirty="0" smtClean="0"/>
+              <a:t>Schwarzes Brett</a:t>
+            </a:r>
+            <a:endParaRPr lang="de-DE" dirty="0"/>
+          </a:p>
+        </p:txBody>
+      </p:sp>
+      <p:sp>
+        <p:nvSpPr>
+          <p:cNvPr id="3" name="Inhaltsplatzhalter 2"/>
+          <p:cNvSpPr>
+            <a:spLocks noGrp="1"/>
+          </p:cNvSpPr>
+          <p:nvPr>
+            <p:ph idx="1"/>
+          </p:nvPr>
+        </p:nvSpPr>
+        <p:spPr/>
+        <p:txBody>
+          <a:bodyPr/>
+          <a:lstStyle/>
+          <a:p>
+            <a:pPr marL="0" indent="0">
+              <a:buNone/>
+            </a:pPr>
+            <a:endParaRPr lang="de-DE" dirty="0"/>
+          </a:p>
+        </p:txBody>
+      </p:sp>
+      <p:pic>
+        <p:nvPicPr>
+          <p:cNvPr id="4" name="Grafik 3"/>
+          <p:cNvPicPr>
+            <a:picLocks noChangeAspect="1"/>
+          </p:cNvPicPr>
+          <p:nvPr/>
+        </p:nvPicPr>
+        <p:blipFill rotWithShape="1">
+          <a:blip r:embed="rId2"/>
+          <a:srcRect l="-21038" t="9181" r="50215" b="18768"/>
+          <a:stretch/>
+        </p:blipFill>
+        <p:spPr>
+          <a:xfrm>
+            <a:off x="-4541135" y="0"/>
+            <a:ext cx="15308722" cy="6157732"/>
+          </a:xfrm>
+          <a:prstGeom prst="rect">
+            <a:avLst/>
+          </a:prstGeom>
+        </p:spPr>
+      </p:pic>
+      <p:sp>
+        <p:nvSpPr>
+          <p:cNvPr id="5" name="Rechteck 4"/>
+          <p:cNvSpPr/>
+          <p:nvPr/>
+        </p:nvSpPr>
+        <p:spPr>
+          <a:xfrm>
+            <a:off x="578734" y="2604303"/>
+            <a:ext cx="3264061" cy="324091"/>
+          </a:xfrm>
+          <a:prstGeom prst="rect">
+            <a:avLst/>
+          </a:prstGeom>
+        </p:spPr>
+        <p:style>
+          <a:lnRef idx="2">
+            <a:schemeClr val="accent1">
+              <a:shade val="50000"/>
+            </a:schemeClr>
+          </a:lnRef>
+          <a:fillRef idx="1">
+            <a:schemeClr val="accent1"/>
+          </a:fillRef>
+          <a:effectRef idx="0">
+            <a:schemeClr val="accent1"/>
+          </a:effectRef>
+          <a:fontRef idx="minor">
+            <a:schemeClr val="lt1"/>
+          </a:fontRef>
+        </p:style>
+        <p:txBody>
+          <a:bodyPr rtlCol="0" anchor="ctr"/>
+          <a:lstStyle/>
+          <a:p>
+            <a:pPr algn="ctr"/>
+            <a:r>
+              <a:rPr lang="de-DE" dirty="0" smtClean="0"/>
+              <a:t>Titel 1</a:t>
+            </a:r>
+            <a:endParaRPr lang="de-DE" dirty="0"/>
+          </a:p>
+        </p:txBody>
+      </p:sp>
+      <p:sp>
+        <p:nvSpPr>
+          <p:cNvPr id="6" name="Rechteck 5"/>
+          <p:cNvSpPr/>
+          <p:nvPr/>
+        </p:nvSpPr>
+        <p:spPr>
+          <a:xfrm>
+            <a:off x="578734" y="2928394"/>
+            <a:ext cx="7986532" cy="682907"/>
+          </a:xfrm>
+          <a:prstGeom prst="rect">
+            <a:avLst/>
+          </a:prstGeom>
+        </p:spPr>
+        <p:style>
+          <a:lnRef idx="2">
+            <a:schemeClr val="accent1">
+              <a:shade val="50000"/>
+            </a:schemeClr>
+          </a:lnRef>
+          <a:fillRef idx="1">
+            <a:schemeClr val="accent1"/>
+          </a:fillRef>
+          <a:effectRef idx="0">
+            <a:schemeClr val="accent1"/>
+          </a:effectRef>
+          <a:fontRef idx="minor">
+            <a:schemeClr val="lt1"/>
+          </a:fontRef>
+        </p:style>
+        <p:txBody>
+          <a:bodyPr rtlCol="0" anchor="ctr"/>
+          <a:lstStyle/>
+          <a:p>
+            <a:pPr algn="ctr"/>
+            <a:r>
+              <a:rPr lang="de-DE" dirty="0" smtClean="0"/>
+              <a:t>Zusammenfassung 1 </a:t>
+            </a:r>
+            <a:endParaRPr lang="de-DE" dirty="0"/>
+          </a:p>
+        </p:txBody>
+      </p:sp>
+      <p:sp>
+        <p:nvSpPr>
+          <p:cNvPr id="8" name="Rechteck 7"/>
+          <p:cNvSpPr/>
+          <p:nvPr/>
+        </p:nvSpPr>
+        <p:spPr>
+          <a:xfrm>
+            <a:off x="578734" y="3611302"/>
+            <a:ext cx="7986532" cy="2700598"/>
+          </a:xfrm>
+          <a:prstGeom prst="rect">
+            <a:avLst/>
+          </a:prstGeom>
+        </p:spPr>
+        <p:style>
+          <a:lnRef idx="2">
+            <a:schemeClr val="accent1">
+              <a:shade val="50000"/>
+            </a:schemeClr>
+          </a:lnRef>
+          <a:fillRef idx="1">
+            <a:schemeClr val="accent1"/>
+          </a:fillRef>
+          <a:effectRef idx="0">
+            <a:schemeClr val="accent1"/>
+          </a:effectRef>
+          <a:fontRef idx="minor">
+            <a:schemeClr val="lt1"/>
+          </a:fontRef>
+        </p:style>
+        <p:txBody>
+          <a:bodyPr rtlCol="0" anchor="ctr"/>
+          <a:lstStyle/>
+          <a:p>
+            <a:pPr algn="ctr"/>
+            <a:r>
+              <a:rPr lang="de-DE" dirty="0" err="1" smtClean="0"/>
+              <a:t>Langtext</a:t>
+            </a:r>
+            <a:endParaRPr lang="de-DE" dirty="0"/>
+          </a:p>
+        </p:txBody>
+      </p:sp>
+    </p:spTree>
+    <p:extLst>
+      <p:ext uri="{BB962C8B-B14F-4D97-AF65-F5344CB8AC3E}">
+        <p14:creationId xmlns:p14="http://schemas.microsoft.com/office/powerpoint/2010/main" val="2163543590"/>
+      </p:ext>
+    </p:extLst>
+  </p:cSld>
+  <p:clrMapOvr>
+    <a:masterClrMapping/>
+  </p:clrMapOvr>
+  <p:timing>
+    <p:tnLst>
+      <p:par>
+        <p:cTn id="1" dur="indefinite" restart="never" nodeType="tmRoot"/>
+      </p:par>
+    </p:tnLst>
+  </p:timing>
 </p:sld>
 </file>
 

--- a/Solution_Design/Story Board/Storys/RA-35-Schwarzes Brett/RA-35-Schwarzes Brett.pptx
+++ b/Solution_Design/Story Board/Storys/RA-35-Schwarzes Brett/RA-35-Schwarzes Brett.pptx
@@ -10,9 +10,10 @@
     <p:sldId id="258" r:id="rId4"/>
     <p:sldId id="259" r:id="rId5"/>
     <p:sldId id="260" r:id="rId6"/>
-    <p:sldId id="261" r:id="rId7"/>
-    <p:sldId id="262" r:id="rId8"/>
-    <p:sldId id="263" r:id="rId9"/>
+    <p:sldId id="264" r:id="rId7"/>
+    <p:sldId id="261" r:id="rId8"/>
+    <p:sldId id="262" r:id="rId9"/>
+    <p:sldId id="263" r:id="rId10"/>
   </p:sldIdLst>
   <p:sldSz cx="12192000" cy="6858000"/>
   <p:notesSz cx="6858000" cy="9144000"/>
@@ -3679,6 +3680,13 @@
   <p:clrMapOvr>
     <a:masterClrMapping/>
   </p:clrMapOvr>
+  <p:timing>
+    <p:tnLst>
+      <p:par>
+        <p:cTn id="1" dur="indefinite" restart="never" nodeType="tmRoot"/>
+      </p:par>
+    </p:tnLst>
+  </p:timing>
 </p:sld>
 </file>
 
@@ -4483,7 +4491,7 @@
           <a:p>
             <a:r>
               <a:rPr lang="de-DE" dirty="0" smtClean="0"/>
-              <a:t>Vereinsbereich</a:t>
+              <a:t>Datenbank</a:t>
             </a:r>
             <a:endParaRPr lang="de-DE" dirty="0"/>
           </a:p>
@@ -4491,60 +4499,330 @@
       </p:sp>
       <p:sp>
         <p:nvSpPr>
-          <p:cNvPr id="3" name="Inhaltsplatzhalter 2"/>
-          <p:cNvSpPr>
-            <a:spLocks noGrp="1"/>
-          </p:cNvSpPr>
-          <p:nvPr>
-            <p:ph idx="1"/>
-          </p:nvPr>
-        </p:nvSpPr>
-        <p:spPr/>
-        <p:txBody>
-          <a:bodyPr/>
-          <a:lstStyle/>
-          <a:p>
+          <p:cNvPr id="4" name="Zylinder 3"/>
+          <p:cNvSpPr/>
+          <p:nvPr/>
+        </p:nvSpPr>
+        <p:spPr>
+          <a:xfrm>
+            <a:off x="1658112" y="3096768"/>
+            <a:ext cx="1572768" cy="2401824"/>
+          </a:xfrm>
+          <a:prstGeom prst="can">
+            <a:avLst/>
+          </a:prstGeom>
+          <a:solidFill>
+            <a:schemeClr val="accent1">
+              <a:lumMod val="20000"/>
+              <a:lumOff val="80000"/>
+            </a:schemeClr>
+          </a:solidFill>
+        </p:spPr>
+        <p:style>
+          <a:lnRef idx="2">
+            <a:schemeClr val="accent1">
+              <a:shade val="50000"/>
+            </a:schemeClr>
+          </a:lnRef>
+          <a:fillRef idx="1">
+            <a:schemeClr val="accent1"/>
+          </a:fillRef>
+          <a:effectRef idx="0">
+            <a:schemeClr val="accent1"/>
+          </a:effectRef>
+          <a:fontRef idx="minor">
+            <a:schemeClr val="lt1"/>
+          </a:fontRef>
+        </p:style>
+        <p:txBody>
+          <a:bodyPr rtlCol="0" anchor="ctr"/>
+          <a:lstStyle/>
+          <a:p>
+            <a:pPr algn="ctr"/>
+            <a:endParaRPr lang="de-DE"/>
+          </a:p>
+        </p:txBody>
+      </p:sp>
+      <p:sp>
+        <p:nvSpPr>
+          <p:cNvPr id="10" name="Zylinder 9"/>
+          <p:cNvSpPr/>
+          <p:nvPr/>
+        </p:nvSpPr>
+        <p:spPr>
+          <a:xfrm>
+            <a:off x="1658112" y="3096768"/>
+            <a:ext cx="1572768" cy="353568"/>
+          </a:xfrm>
+          <a:prstGeom prst="can">
+            <a:avLst/>
+          </a:prstGeom>
+          <a:solidFill>
+            <a:schemeClr val="accent1">
+              <a:lumMod val="75000"/>
+            </a:schemeClr>
+          </a:solidFill>
+        </p:spPr>
+        <p:style>
+          <a:lnRef idx="2">
+            <a:schemeClr val="accent1">
+              <a:shade val="50000"/>
+            </a:schemeClr>
+          </a:lnRef>
+          <a:fillRef idx="1">
+            <a:schemeClr val="accent1"/>
+          </a:fillRef>
+          <a:effectRef idx="0">
+            <a:schemeClr val="accent1"/>
+          </a:effectRef>
+          <a:fontRef idx="minor">
+            <a:schemeClr val="lt1"/>
+          </a:fontRef>
+        </p:style>
+        <p:txBody>
+          <a:bodyPr rtlCol="0" anchor="ctr"/>
+          <a:lstStyle/>
+          <a:p>
+            <a:pPr algn="ctr"/>
+            <a:endParaRPr lang="de-DE"/>
+          </a:p>
+        </p:txBody>
+      </p:sp>
+      <p:sp>
+        <p:nvSpPr>
+          <p:cNvPr id="12" name="Rechteck 11"/>
+          <p:cNvSpPr/>
+          <p:nvPr/>
+        </p:nvSpPr>
+        <p:spPr>
+          <a:xfrm>
+            <a:off x="1658112" y="3681984"/>
+            <a:ext cx="1572768" cy="85344"/>
+          </a:xfrm>
+          <a:prstGeom prst="rect">
+            <a:avLst/>
+          </a:prstGeom>
+          <a:solidFill>
+            <a:srgbClr val="FF0000"/>
+          </a:solidFill>
+        </p:spPr>
+        <p:style>
+          <a:lnRef idx="2">
+            <a:schemeClr val="accent1">
+              <a:shade val="50000"/>
+            </a:schemeClr>
+          </a:lnRef>
+          <a:fillRef idx="1">
+            <a:schemeClr val="accent1"/>
+          </a:fillRef>
+          <a:effectRef idx="0">
+            <a:schemeClr val="accent1"/>
+          </a:effectRef>
+          <a:fontRef idx="minor">
+            <a:schemeClr val="lt1"/>
+          </a:fontRef>
+        </p:style>
+        <p:txBody>
+          <a:bodyPr rtlCol="0" anchor="ctr"/>
+          <a:lstStyle/>
+          <a:p>
+            <a:pPr algn="ctr"/>
+            <a:endParaRPr lang="de-DE"/>
+          </a:p>
+        </p:txBody>
+      </p:sp>
+      <p:sp>
+        <p:nvSpPr>
+          <p:cNvPr id="13" name="Rechteck 12"/>
+          <p:cNvSpPr/>
+          <p:nvPr/>
+        </p:nvSpPr>
+        <p:spPr>
+          <a:xfrm>
+            <a:off x="1658112" y="4163568"/>
+            <a:ext cx="1572768" cy="54864"/>
+          </a:xfrm>
+          <a:prstGeom prst="rect">
+            <a:avLst/>
+          </a:prstGeom>
+          <a:solidFill>
+            <a:srgbClr val="FF0000"/>
+          </a:solidFill>
+        </p:spPr>
+        <p:style>
+          <a:lnRef idx="2">
+            <a:schemeClr val="accent1">
+              <a:shade val="50000"/>
+            </a:schemeClr>
+          </a:lnRef>
+          <a:fillRef idx="1">
+            <a:schemeClr val="accent1"/>
+          </a:fillRef>
+          <a:effectRef idx="0">
+            <a:schemeClr val="accent1"/>
+          </a:effectRef>
+          <a:fontRef idx="minor">
+            <a:schemeClr val="lt1"/>
+          </a:fontRef>
+        </p:style>
+        <p:txBody>
+          <a:bodyPr rtlCol="0" anchor="ctr"/>
+          <a:lstStyle/>
+          <a:p>
+            <a:pPr algn="ctr"/>
+            <a:endParaRPr lang="de-DE"/>
+          </a:p>
+        </p:txBody>
+      </p:sp>
+      <p:sp>
+        <p:nvSpPr>
+          <p:cNvPr id="14" name="Rechteck 13"/>
+          <p:cNvSpPr/>
+          <p:nvPr/>
+        </p:nvSpPr>
+        <p:spPr>
+          <a:xfrm>
+            <a:off x="1658112" y="3407664"/>
+            <a:ext cx="1572768" cy="85344"/>
+          </a:xfrm>
+          <a:prstGeom prst="rect">
+            <a:avLst/>
+          </a:prstGeom>
+          <a:solidFill>
+            <a:srgbClr val="FF0000"/>
+          </a:solidFill>
+        </p:spPr>
+        <p:style>
+          <a:lnRef idx="2">
+            <a:schemeClr val="accent1">
+              <a:shade val="50000"/>
+            </a:schemeClr>
+          </a:lnRef>
+          <a:fillRef idx="1">
+            <a:schemeClr val="accent1"/>
+          </a:fillRef>
+          <a:effectRef idx="0">
+            <a:schemeClr val="accent1"/>
+          </a:effectRef>
+          <a:fontRef idx="minor">
+            <a:schemeClr val="lt1"/>
+          </a:fontRef>
+        </p:style>
+        <p:txBody>
+          <a:bodyPr rtlCol="0" anchor="ctr"/>
+          <a:lstStyle/>
+          <a:p>
+            <a:pPr algn="ctr"/>
+            <a:endParaRPr lang="de-DE"/>
+          </a:p>
+        </p:txBody>
+      </p:sp>
+      <p:sp>
+        <p:nvSpPr>
+          <p:cNvPr id="3" name="Abgerundetes Rechteck 2"/>
+          <p:cNvSpPr/>
+          <p:nvPr/>
+        </p:nvSpPr>
+        <p:spPr>
+          <a:xfrm>
+            <a:off x="5531556" y="1828800"/>
+            <a:ext cx="5294489" cy="4312355"/>
+          </a:xfrm>
+          <a:prstGeom prst="roundRect">
+            <a:avLst/>
+          </a:prstGeom>
+        </p:spPr>
+        <p:style>
+          <a:lnRef idx="2">
+            <a:schemeClr val="accent1">
+              <a:shade val="50000"/>
+            </a:schemeClr>
+          </a:lnRef>
+          <a:fillRef idx="1">
+            <a:schemeClr val="accent1"/>
+          </a:fillRef>
+          <a:effectRef idx="0">
+            <a:schemeClr val="accent1"/>
+          </a:effectRef>
+          <a:fontRef idx="minor">
+            <a:schemeClr val="lt1"/>
+          </a:fontRef>
+        </p:style>
+        <p:txBody>
+          <a:bodyPr rtlCol="0" anchor="ctr"/>
+          <a:lstStyle/>
+          <a:p>
+            <a:pPr algn="ctr"/>
             <a:r>
               <a:rPr lang="de-DE" dirty="0" smtClean="0"/>
-              <a:t>Im </a:t>
-            </a:r>
-            <a:r>
-              <a:rPr lang="de-DE" dirty="0"/>
-              <a:t>B</a:t>
-            </a:r>
+              <a:t>Offene Frage:</a:t>
+            </a:r>
+          </a:p>
+          <a:p>
+            <a:pPr algn="ctr"/>
+            <a:endParaRPr lang="de-DE" dirty="0"/>
+          </a:p>
+          <a:p>
+            <a:pPr algn="ctr"/>
             <a:r>
               <a:rPr lang="de-DE" dirty="0" smtClean="0"/>
-              <a:t>ereich des Vereins werden </a:t>
+              <a:t>Füllalgorithmus für Default </a:t>
             </a:r>
             <a:r>
               <a:rPr lang="de-DE" dirty="0" err="1" smtClean="0"/>
-              <a:t>sämmtliche</a:t>
+              <a:t>befüllung</a:t>
             </a:r>
             <a:r>
               <a:rPr lang="de-DE" dirty="0" smtClean="0"/>
-              <a:t> Artikel </a:t>
-            </a:r>
-            <a:r>
-              <a:rPr lang="de-DE" dirty="0" err="1" smtClean="0"/>
-              <a:t>indeziert</a:t>
-            </a:r>
-            <a:r>
-              <a:rPr lang="de-DE" dirty="0" smtClean="0"/>
-              <a:t>.</a:t>
-            </a:r>
-          </a:p>
-          <a:p>
-            <a:r>
-              <a:rPr lang="de-DE" dirty="0" smtClean="0"/>
-              <a:t>Bei einem Aufruf(mehr) über die schwarzen Bretter wird in den </a:t>
-            </a:r>
-            <a:r>
-              <a:rPr lang="de-DE" dirty="0" err="1" smtClean="0"/>
-              <a:t>Vereinsberich</a:t>
-            </a:r>
-            <a:r>
-              <a:rPr lang="de-DE" dirty="0" smtClean="0"/>
-              <a:t> weitergeleitet</a:t>
+              <a:t>, evtl. nur pflege im Livesystem</a:t>
+            </a:r>
+            <a:endParaRPr lang="de-DE" dirty="0"/>
+          </a:p>
+        </p:txBody>
+      </p:sp>
+      <p:sp>
+        <p:nvSpPr>
+          <p:cNvPr id="16" name="Rechteck 15">
+            <a:hlinkClick r:id="rId2"/>
+          </p:cNvPr>
+          <p:cNvSpPr/>
+          <p:nvPr/>
+        </p:nvSpPr>
+        <p:spPr>
+          <a:xfrm>
+            <a:off x="838200" y="5633156"/>
+            <a:ext cx="4569178" cy="495729"/>
+          </a:xfrm>
+          <a:prstGeom prst="rect">
+            <a:avLst/>
+          </a:prstGeom>
+        </p:spPr>
+        <p:style>
+          <a:lnRef idx="2">
+            <a:schemeClr val="accent1">
+              <a:shade val="50000"/>
+            </a:schemeClr>
+          </a:lnRef>
+          <a:fillRef idx="1">
+            <a:schemeClr val="accent1"/>
+          </a:fillRef>
+          <a:effectRef idx="0">
+            <a:schemeClr val="accent1"/>
+          </a:effectRef>
+          <a:fontRef idx="minor">
+            <a:schemeClr val="lt1"/>
+          </a:fontRef>
+        </p:style>
+        <p:txBody>
+          <a:bodyPr rtlCol="0" anchor="ctr"/>
+          <a:lstStyle/>
+          <a:p>
+            <a:pPr algn="ctr"/>
+            <a:r>
+              <a:rPr lang="de-DE" dirty="0" smtClean="0">
+                <a:hlinkClick r:id="rId2"/>
+              </a:rPr>
+              <a:t>Fallbeispiel</a:t>
             </a:r>
             <a:endParaRPr lang="de-DE" dirty="0"/>
           </a:p>
@@ -4553,7 +4831,7 @@
     </p:spTree>
     <p:extLst>
       <p:ext uri="{BB962C8B-B14F-4D97-AF65-F5344CB8AC3E}">
-        <p14:creationId xmlns:p14="http://schemas.microsoft.com/office/powerpoint/2010/main" val="837442085"/>
+        <p14:creationId xmlns:p14="http://schemas.microsoft.com/office/powerpoint/2010/main" val="2811759346"/>
       </p:ext>
     </p:extLst>
   </p:cSld>
@@ -4604,6 +4882,127 @@
           <a:p>
             <a:r>
               <a:rPr lang="de-DE" dirty="0" smtClean="0"/>
+              <a:t>Vereinsbereich</a:t>
+            </a:r>
+            <a:endParaRPr lang="de-DE" dirty="0"/>
+          </a:p>
+        </p:txBody>
+      </p:sp>
+      <p:sp>
+        <p:nvSpPr>
+          <p:cNvPr id="3" name="Inhaltsplatzhalter 2"/>
+          <p:cNvSpPr>
+            <a:spLocks noGrp="1"/>
+          </p:cNvSpPr>
+          <p:nvPr>
+            <p:ph idx="1"/>
+          </p:nvPr>
+        </p:nvSpPr>
+        <p:spPr/>
+        <p:txBody>
+          <a:bodyPr/>
+          <a:lstStyle/>
+          <a:p>
+            <a:r>
+              <a:rPr lang="de-DE" dirty="0" smtClean="0"/>
+              <a:t>Im </a:t>
+            </a:r>
+            <a:r>
+              <a:rPr lang="de-DE" dirty="0"/>
+              <a:t>B</a:t>
+            </a:r>
+            <a:r>
+              <a:rPr lang="de-DE" dirty="0" smtClean="0"/>
+              <a:t>ereich des Vereins werden </a:t>
+            </a:r>
+            <a:r>
+              <a:rPr lang="de-DE" dirty="0" err="1" smtClean="0"/>
+              <a:t>sämmtliche</a:t>
+            </a:r>
+            <a:r>
+              <a:rPr lang="de-DE" dirty="0" smtClean="0"/>
+              <a:t> Artikel </a:t>
+            </a:r>
+            <a:r>
+              <a:rPr lang="de-DE" dirty="0" err="1" smtClean="0"/>
+              <a:t>indeziert</a:t>
+            </a:r>
+            <a:r>
+              <a:rPr lang="de-DE" dirty="0" smtClean="0"/>
+              <a:t>.</a:t>
+            </a:r>
+          </a:p>
+          <a:p>
+            <a:r>
+              <a:rPr lang="de-DE" dirty="0" smtClean="0"/>
+              <a:t>Bei einem Aufruf(mehr) über die schwarzen Bretter wird in den </a:t>
+            </a:r>
+            <a:r>
+              <a:rPr lang="de-DE" dirty="0" err="1" smtClean="0"/>
+              <a:t>Vereinsberich</a:t>
+            </a:r>
+            <a:r>
+              <a:rPr lang="de-DE" dirty="0" smtClean="0"/>
+              <a:t> weitergeleitet</a:t>
+            </a:r>
+            <a:endParaRPr lang="de-DE" dirty="0"/>
+          </a:p>
+        </p:txBody>
+      </p:sp>
+    </p:spTree>
+    <p:extLst>
+      <p:ext uri="{BB962C8B-B14F-4D97-AF65-F5344CB8AC3E}">
+        <p14:creationId xmlns:p14="http://schemas.microsoft.com/office/powerpoint/2010/main" val="837442085"/>
+      </p:ext>
+    </p:extLst>
+  </p:cSld>
+  <p:clrMapOvr>
+    <a:masterClrMapping/>
+  </p:clrMapOvr>
+  <p:timing>
+    <p:tnLst>
+      <p:par>
+        <p:cTn id="1" dur="indefinite" restart="never" nodeType="tmRoot"/>
+      </p:par>
+    </p:tnLst>
+  </p:timing>
+</p:sld>
+</file>
+
+<file path=ppt/slides/slide8.xml><?xml version="1.0" encoding="utf-8"?>
+<p:sld xmlns:a="http://schemas.openxmlformats.org/drawingml/2006/main" xmlns:r="http://schemas.openxmlformats.org/officeDocument/2006/relationships" xmlns:p="http://schemas.openxmlformats.org/presentationml/2006/main">
+  <p:cSld>
+    <p:spTree>
+      <p:nvGrpSpPr>
+        <p:cNvPr id="1" name=""/>
+        <p:cNvGrpSpPr/>
+        <p:nvPr/>
+      </p:nvGrpSpPr>
+      <p:grpSpPr>
+        <a:xfrm>
+          <a:off x="0" y="0"/>
+          <a:ext cx="0" cy="0"/>
+          <a:chOff x="0" y="0"/>
+          <a:chExt cx="0" cy="0"/>
+        </a:xfrm>
+      </p:grpSpPr>
+      <p:sp>
+        <p:nvSpPr>
+          <p:cNvPr id="2" name="Titel 1"/>
+          <p:cNvSpPr>
+            <a:spLocks noGrp="1"/>
+          </p:cNvSpPr>
+          <p:nvPr>
+            <p:ph type="title"/>
+          </p:nvPr>
+        </p:nvSpPr>
+        <p:spPr/>
+        <p:txBody>
+          <a:bodyPr/>
+          <a:lstStyle/>
+          <a:p>
+            <a:r>
+              <a:rPr lang="de-DE" dirty="0" smtClean="0"/>
               <a:t>Schwarzes Brett</a:t>
             </a:r>
             <a:endParaRPr lang="de-DE" dirty="0"/>
@@ -5027,7 +5426,7 @@
 </p:sld>
 </file>
 
-<file path=ppt/slides/slide8.xml><?xml version="1.0" encoding="utf-8"?>
+<file path=ppt/slides/slide9.xml><?xml version="1.0" encoding="utf-8"?>
 <p:sld xmlns:a="http://schemas.openxmlformats.org/drawingml/2006/main" xmlns:r="http://schemas.openxmlformats.org/officeDocument/2006/relationships" xmlns:p="http://schemas.openxmlformats.org/presentationml/2006/main">
   <p:cSld>
     <p:spTree>
